--- a/Document Analysis.pptx
+++ b/Document Analysis.pptx
@@ -5,10 +5,10 @@
     <p:sldMasterId id="2147483648" r:id="rId1"/>
   </p:sldMasterIdLst>
   <p:notesMasterIdLst>
-    <p:notesMasterId r:id="rId16"/>
+    <p:notesMasterId r:id="rId18"/>
   </p:notesMasterIdLst>
   <p:handoutMasterIdLst>
-    <p:handoutMasterId r:id="rId17"/>
+    <p:handoutMasterId r:id="rId19"/>
   </p:handoutMasterIdLst>
   <p:sldIdLst>
     <p:sldId id="607" r:id="rId2"/>
@@ -23,8 +23,10 @@
     <p:sldId id="629" r:id="rId11"/>
     <p:sldId id="630" r:id="rId12"/>
     <p:sldId id="631" r:id="rId13"/>
-    <p:sldId id="633" r:id="rId14"/>
-    <p:sldId id="622" r:id="rId15"/>
+    <p:sldId id="634" r:id="rId14"/>
+    <p:sldId id="635" r:id="rId15"/>
+    <p:sldId id="633" r:id="rId16"/>
+    <p:sldId id="622" r:id="rId17"/>
   </p:sldIdLst>
   <p:sldSz cx="9144000" cy="6858000" type="screen4x3"/>
   <p:notesSz cx="6858000" cy="9144000"/>
@@ -225,7 +227,7 @@
             <a:fld id="{5E82CC8C-3DEA-4360-9C0A-645C1E714506}" type="datetimeFigureOut">
               <a:rPr lang="zh-CN" altLang="en-US" smtClean="0"/>
               <a:pPr/>
-              <a:t>2020/3/9</a:t>
+              <a:t>2020/3/11</a:t>
             </a:fld>
             <a:endParaRPr lang="zh-CN" altLang="en-US"/>
           </a:p>
@@ -392,7 +394,7 @@
             <a:fld id="{1342D5D5-AE00-4E0C-B9F4-4674567F208E}" type="datetimeFigureOut">
               <a:rPr lang="zh-CN" altLang="en-US" smtClean="0"/>
               <a:pPr/>
-              <a:t>2020/3/9</a:t>
+              <a:t>2020/3/11</a:t>
             </a:fld>
             <a:endParaRPr lang="zh-CN" altLang="en-US"/>
           </a:p>
@@ -948,7 +950,7 @@
             <a:fld id="{427B2BE1-5DC4-424F-A2D6-FD4F362E34B8}" type="datetime1">
               <a:rPr lang="zh-CN" altLang="en-US" smtClean="0"/>
               <a:pPr/>
-              <a:t>2020/3/9</a:t>
+              <a:t>2020/3/11</a:t>
             </a:fld>
             <a:endParaRPr lang="zh-CN" altLang="en-US"/>
           </a:p>
@@ -1082,7 +1084,7 @@
             <a:fld id="{9C748C19-CD3E-49ED-9511-1D0B6CE6D8B6}" type="datetime1">
               <a:rPr lang="zh-CN" altLang="en-US" smtClean="0"/>
               <a:pPr/>
-              <a:t>2020/3/9</a:t>
+              <a:t>2020/3/11</a:t>
             </a:fld>
             <a:endParaRPr lang="zh-CN" altLang="en-US"/>
           </a:p>
@@ -1402,7 +1404,7 @@
             <a:fld id="{63BDE738-F65C-44CE-9E57-B8BFD63E1E75}" type="datetime1">
               <a:rPr lang="zh-CN" altLang="en-US" smtClean="0"/>
               <a:pPr/>
-              <a:t>2020/3/9</a:t>
+              <a:t>2020/3/11</a:t>
             </a:fld>
             <a:endParaRPr lang="zh-CN" altLang="en-US"/>
           </a:p>
@@ -1623,7 +1625,7 @@
             <a:fld id="{D17F4E69-CF2E-4BBD-BFD6-40704D1A2A8C}" type="datetime1">
               <a:rPr lang="zh-CN" altLang="en-US" smtClean="0"/>
               <a:pPr/>
-              <a:t>2020/3/9</a:t>
+              <a:t>2020/3/11</a:t>
             </a:fld>
             <a:endParaRPr lang="zh-CN" altLang="en-US"/>
           </a:p>
@@ -1942,7 +1944,7 @@
             <a:fld id="{7F99A6B4-1D50-4FF4-B2D6-10E519F5D209}" type="datetime1">
               <a:rPr lang="zh-CN" altLang="en-US" smtClean="0"/>
               <a:pPr/>
-              <a:t>2020/3/9</a:t>
+              <a:t>2020/3/11</a:t>
             </a:fld>
             <a:endParaRPr lang="zh-CN" altLang="en-US"/>
           </a:p>
@@ -2373,7 +2375,7 @@
             <a:fld id="{3603C822-BB90-48FB-86AA-8B3B633849C7}" type="datetime1">
               <a:rPr lang="zh-CN" altLang="en-US" smtClean="0"/>
               <a:pPr/>
-              <a:t>2020/3/9</a:t>
+              <a:t>2020/3/11</a:t>
             </a:fld>
             <a:endParaRPr lang="zh-CN" altLang="en-US"/>
           </a:p>
@@ -2500,7 +2502,7 @@
             <a:fld id="{80C483E1-D47C-4FAD-BE68-C56C2485977F}" type="datetime1">
               <a:rPr lang="zh-CN" altLang="en-US" smtClean="0"/>
               <a:pPr/>
-              <a:t>2020/3/9</a:t>
+              <a:t>2020/3/11</a:t>
             </a:fld>
             <a:endParaRPr lang="zh-CN" altLang="en-US"/>
           </a:p>
@@ -2604,7 +2606,7 @@
             <a:fld id="{BE3CDA8A-816C-407F-91A3-7F40E37F2A62}" type="datetime1">
               <a:rPr lang="zh-CN" altLang="en-US" smtClean="0"/>
               <a:pPr/>
-              <a:t>2020/3/9</a:t>
+              <a:t>2020/3/11</a:t>
             </a:fld>
             <a:endParaRPr lang="zh-CN" altLang="en-US"/>
           </a:p>
@@ -2841,7 +2843,7 @@
             <a:fld id="{792C1609-03A0-4E22-949F-2B46B2E28067}" type="datetime1">
               <a:rPr lang="zh-CN" altLang="en-US" smtClean="0"/>
               <a:pPr/>
-              <a:t>2020/3/9</a:t>
+              <a:t>2020/3/11</a:t>
             </a:fld>
             <a:endParaRPr lang="zh-CN" altLang="en-US"/>
           </a:p>
@@ -3042,7 +3044,7 @@
             <a:fld id="{137B65B3-813B-40DD-883B-8347D9990CC6}" type="datetime1">
               <a:rPr lang="zh-CN" altLang="en-US" smtClean="0"/>
               <a:pPr/>
-              <a:t>2020/3/9</a:t>
+              <a:t>2020/3/11</a:t>
             </a:fld>
             <a:endParaRPr lang="zh-CN" altLang="en-US"/>
           </a:p>
@@ -3408,7 +3410,7 @@
             <a:fld id="{90B50CBB-D644-4A33-96F2-76ED71506B0F}" type="datetime1">
               <a:rPr lang="zh-CN" altLang="en-US" smtClean="0"/>
               <a:pPr/>
-              <a:t>2020/3/9</a:t>
+              <a:t>2020/3/11</a:t>
             </a:fld>
             <a:endParaRPr lang="zh-CN" altLang="en-US"/>
           </a:p>
@@ -4276,127 +4278,6 @@
       </p:sp>
       <p:sp>
         <p:nvSpPr>
-          <p:cNvPr id="9" name="Rectangle 1">
-            <a:extLst>
-              <a:ext uri="{FF2B5EF4-FFF2-40B4-BE49-F238E27FC236}">
-                <a16:creationId xmlns:a16="http://schemas.microsoft.com/office/drawing/2014/main" id="{FE029038-FB7B-4547-998F-F537DA9FD9F3}"/>
-              </a:ext>
-            </a:extLst>
-          </p:cNvPr>
-          <p:cNvSpPr>
-            <a:spLocks noChangeArrowheads="1"/>
-          </p:cNvSpPr>
-          <p:nvPr/>
-        </p:nvSpPr>
-        <p:spPr bwMode="auto">
-          <a:xfrm>
-            <a:off x="0" y="0"/>
-            <a:ext cx="9144000" cy="0"/>
-          </a:xfrm>
-          <a:prstGeom prst="rect">
-            <a:avLst/>
-          </a:prstGeom>
-          <a:noFill/>
-          <a:ln>
-            <a:noFill/>
-          </a:ln>
-          <a:effectLst/>
-          <a:extLst>
-            <a:ext uri="{909E8E84-426E-40DD-AFC4-6F175D3DCCD1}">
-              <a14:hiddenFill xmlns:a14="http://schemas.microsoft.com/office/drawing/2010/main">
-                <a:solidFill>
-                  <a:schemeClr val="accent1"/>
-                </a:solidFill>
-              </a14:hiddenFill>
-            </a:ext>
-            <a:ext uri="{91240B29-F687-4F45-9708-019B960494DF}">
-              <a14:hiddenLine xmlns:a14="http://schemas.microsoft.com/office/drawing/2010/main" w="9525">
-                <a:solidFill>
-                  <a:schemeClr val="tx1"/>
-                </a:solidFill>
-                <a:miter lim="800000"/>
-                <a:headEnd/>
-                <a:tailEnd/>
-              </a14:hiddenLine>
-            </a:ext>
-            <a:ext uri="{AF507438-7753-43E0-B8FC-AC1667EBCBE1}">
-              <a14:hiddenEffects xmlns:a14="http://schemas.microsoft.com/office/drawing/2010/main">
-                <a:effectLst>
-                  <a:outerShdw dist="35921" dir="2700000" algn="ctr" rotWithShape="0">
-                    <a:schemeClr val="bg2"/>
-                  </a:outerShdw>
-                </a:effectLst>
-              </a14:hiddenEffects>
-            </a:ext>
-          </a:extLst>
-        </p:spPr>
-        <p:txBody>
-          <a:bodyPr vert="horz" wrap="none" lIns="91440" tIns="45720" rIns="91440" bIns="45720" numCol="1" anchor="ctr" anchorCtr="0" compatLnSpc="1">
-            <a:prstTxWarp prst="textNoShape">
-              <a:avLst/>
-            </a:prstTxWarp>
-            <a:spAutoFit/>
-          </a:bodyPr>
-          <a:lstStyle/>
-          <a:p>
-            <a:pPr marL="0" marR="0" lvl="0" indent="0" algn="l" defTabSz="914400" rtl="0" eaLnBrk="0" fontAlgn="base" latinLnBrk="0" hangingPunct="0">
-              <a:lnSpc>
-                <a:spcPct val="100000"/>
-              </a:lnSpc>
-              <a:spcBef>
-                <a:spcPct val="0"/>
-              </a:spcBef>
-              <a:spcAft>
-                <a:spcPct val="0"/>
-              </a:spcAft>
-              <a:buClrTx/>
-              <a:buSzTx/>
-              <a:buFontTx/>
-              <a:buNone/>
-              <a:tabLst/>
-            </a:pPr>
-            <a:r>
-              <a:rPr kumimoji="0" lang="zh-CN" altLang="zh-CN" sz="1200" b="0" i="0" u="none" strike="noStrike" cap="none" normalizeH="0" baseline="0">
-                <a:ln>
-                  <a:noFill/>
-                </a:ln>
-                <a:solidFill>
-                  <a:srgbClr val="333333"/>
-                </a:solidFill>
-                <a:effectLst/>
-                <a:latin typeface="Arial" panose="020B0604020202020204" pitchFamily="34" charset="0"/>
-                <a:ea typeface="Open Sans"/>
-              </a:rPr>
-              <a:t>CVPR2017</a:t>
-            </a:r>
-            <a:r>
-              <a:rPr kumimoji="0" lang="zh-CN" altLang="zh-CN" sz="600" b="0" i="0" u="none" strike="noStrike" cap="none" normalizeH="0" baseline="0">
-                <a:ln>
-                  <a:noFill/>
-                </a:ln>
-                <a:solidFill>
-                  <a:schemeClr val="tx1"/>
-                </a:solidFill>
-                <a:effectLst/>
-                <a:latin typeface="Arial" panose="020B0604020202020204" pitchFamily="34" charset="0"/>
-              </a:rPr>
-              <a:t> </a:t>
-            </a:r>
-            <a:endParaRPr kumimoji="0" lang="zh-CN" altLang="zh-CN" sz="1800" b="0" i="0" u="none" strike="noStrike" cap="none" normalizeH="0" baseline="0">
-              <a:ln>
-                <a:noFill/>
-              </a:ln>
-              <a:solidFill>
-                <a:schemeClr val="tx1"/>
-              </a:solidFill>
-              <a:effectLst/>
-              <a:latin typeface="Arial" panose="020B0604020202020204" pitchFamily="34" charset="0"/>
-            </a:endParaRPr>
-          </a:p>
-        </p:txBody>
-      </p:sp>
-      <p:sp>
-        <p:nvSpPr>
           <p:cNvPr id="6" name="矩形 5">
             <a:extLst>
               <a:ext uri="{FF2B5EF4-FFF2-40B4-BE49-F238E27FC236}">
@@ -5007,127 +4888,6 @@
           </a:p>
         </p:txBody>
       </p:sp>
-      <p:sp>
-        <p:nvSpPr>
-          <p:cNvPr id="9" name="Rectangle 1">
-            <a:extLst>
-              <a:ext uri="{FF2B5EF4-FFF2-40B4-BE49-F238E27FC236}">
-                <a16:creationId xmlns:a16="http://schemas.microsoft.com/office/drawing/2014/main" id="{FE029038-FB7B-4547-998F-F537DA9FD9F3}"/>
-              </a:ext>
-            </a:extLst>
-          </p:cNvPr>
-          <p:cNvSpPr>
-            <a:spLocks noChangeArrowheads="1"/>
-          </p:cNvSpPr>
-          <p:nvPr/>
-        </p:nvSpPr>
-        <p:spPr bwMode="auto">
-          <a:xfrm>
-            <a:off x="0" y="0"/>
-            <a:ext cx="9144000" cy="0"/>
-          </a:xfrm>
-          <a:prstGeom prst="rect">
-            <a:avLst/>
-          </a:prstGeom>
-          <a:noFill/>
-          <a:ln>
-            <a:noFill/>
-          </a:ln>
-          <a:effectLst/>
-          <a:extLst>
-            <a:ext uri="{909E8E84-426E-40DD-AFC4-6F175D3DCCD1}">
-              <a14:hiddenFill xmlns:a14="http://schemas.microsoft.com/office/drawing/2010/main">
-                <a:solidFill>
-                  <a:schemeClr val="accent1"/>
-                </a:solidFill>
-              </a14:hiddenFill>
-            </a:ext>
-            <a:ext uri="{91240B29-F687-4F45-9708-019B960494DF}">
-              <a14:hiddenLine xmlns:a14="http://schemas.microsoft.com/office/drawing/2010/main" w="9525">
-                <a:solidFill>
-                  <a:schemeClr val="tx1"/>
-                </a:solidFill>
-                <a:miter lim="800000"/>
-                <a:headEnd/>
-                <a:tailEnd/>
-              </a14:hiddenLine>
-            </a:ext>
-            <a:ext uri="{AF507438-7753-43E0-B8FC-AC1667EBCBE1}">
-              <a14:hiddenEffects xmlns:a14="http://schemas.microsoft.com/office/drawing/2010/main">
-                <a:effectLst>
-                  <a:outerShdw dist="35921" dir="2700000" algn="ctr" rotWithShape="0">
-                    <a:schemeClr val="bg2"/>
-                  </a:outerShdw>
-                </a:effectLst>
-              </a14:hiddenEffects>
-            </a:ext>
-          </a:extLst>
-        </p:spPr>
-        <p:txBody>
-          <a:bodyPr vert="horz" wrap="none" lIns="91440" tIns="45720" rIns="91440" bIns="45720" numCol="1" anchor="ctr" anchorCtr="0" compatLnSpc="1">
-            <a:prstTxWarp prst="textNoShape">
-              <a:avLst/>
-            </a:prstTxWarp>
-            <a:spAutoFit/>
-          </a:bodyPr>
-          <a:lstStyle/>
-          <a:p>
-            <a:pPr marL="0" marR="0" lvl="0" indent="0" algn="l" defTabSz="914400" rtl="0" eaLnBrk="0" fontAlgn="base" latinLnBrk="0" hangingPunct="0">
-              <a:lnSpc>
-                <a:spcPct val="100000"/>
-              </a:lnSpc>
-              <a:spcBef>
-                <a:spcPct val="0"/>
-              </a:spcBef>
-              <a:spcAft>
-                <a:spcPct val="0"/>
-              </a:spcAft>
-              <a:buClrTx/>
-              <a:buSzTx/>
-              <a:buFontTx/>
-              <a:buNone/>
-              <a:tabLst/>
-            </a:pPr>
-            <a:r>
-              <a:rPr kumimoji="0" lang="zh-CN" altLang="zh-CN" sz="1200" b="0" i="0" u="none" strike="noStrike" cap="none" normalizeH="0" baseline="0">
-                <a:ln>
-                  <a:noFill/>
-                </a:ln>
-                <a:solidFill>
-                  <a:srgbClr val="333333"/>
-                </a:solidFill>
-                <a:effectLst/>
-                <a:latin typeface="Arial" panose="020B0604020202020204" pitchFamily="34" charset="0"/>
-                <a:ea typeface="Open Sans"/>
-              </a:rPr>
-              <a:t>CVPR2017</a:t>
-            </a:r>
-            <a:r>
-              <a:rPr kumimoji="0" lang="zh-CN" altLang="zh-CN" sz="600" b="0" i="0" u="none" strike="noStrike" cap="none" normalizeH="0" baseline="0">
-                <a:ln>
-                  <a:noFill/>
-                </a:ln>
-                <a:solidFill>
-                  <a:schemeClr val="tx1"/>
-                </a:solidFill>
-                <a:effectLst/>
-                <a:latin typeface="Arial" panose="020B0604020202020204" pitchFamily="34" charset="0"/>
-              </a:rPr>
-              <a:t> </a:t>
-            </a:r>
-            <a:endParaRPr kumimoji="0" lang="zh-CN" altLang="zh-CN" sz="1800" b="0" i="0" u="none" strike="noStrike" cap="none" normalizeH="0" baseline="0">
-              <a:ln>
-                <a:noFill/>
-              </a:ln>
-              <a:solidFill>
-                <a:schemeClr val="tx1"/>
-              </a:solidFill>
-              <a:effectLst/>
-              <a:latin typeface="Arial" panose="020B0604020202020204" pitchFamily="34" charset="0"/>
-            </a:endParaRPr>
-          </a:p>
-        </p:txBody>
-      </p:sp>
       <p:pic>
         <p:nvPicPr>
           <p:cNvPr id="10" name="Picture 2" descr="http://www.robots.ox.ac.uk/~vgg/research/text/pipeline.png">
@@ -5325,127 +5085,6 @@
               <a:t>12</a:t>
             </a:fld>
             <a:endParaRPr lang="zh-CN" altLang="en-US"/>
-          </a:p>
-        </p:txBody>
-      </p:sp>
-      <p:sp>
-        <p:nvSpPr>
-          <p:cNvPr id="9" name="Rectangle 1">
-            <a:extLst>
-              <a:ext uri="{FF2B5EF4-FFF2-40B4-BE49-F238E27FC236}">
-                <a16:creationId xmlns:a16="http://schemas.microsoft.com/office/drawing/2014/main" id="{FE029038-FB7B-4547-998F-F537DA9FD9F3}"/>
-              </a:ext>
-            </a:extLst>
-          </p:cNvPr>
-          <p:cNvSpPr>
-            <a:spLocks noChangeArrowheads="1"/>
-          </p:cNvSpPr>
-          <p:nvPr/>
-        </p:nvSpPr>
-        <p:spPr bwMode="auto">
-          <a:xfrm>
-            <a:off x="0" y="0"/>
-            <a:ext cx="9144000" cy="0"/>
-          </a:xfrm>
-          <a:prstGeom prst="rect">
-            <a:avLst/>
-          </a:prstGeom>
-          <a:noFill/>
-          <a:ln>
-            <a:noFill/>
-          </a:ln>
-          <a:effectLst/>
-          <a:extLst>
-            <a:ext uri="{909E8E84-426E-40DD-AFC4-6F175D3DCCD1}">
-              <a14:hiddenFill xmlns:a14="http://schemas.microsoft.com/office/drawing/2010/main">
-                <a:solidFill>
-                  <a:schemeClr val="accent1"/>
-                </a:solidFill>
-              </a14:hiddenFill>
-            </a:ext>
-            <a:ext uri="{91240B29-F687-4F45-9708-019B960494DF}">
-              <a14:hiddenLine xmlns:a14="http://schemas.microsoft.com/office/drawing/2010/main" w="9525">
-                <a:solidFill>
-                  <a:schemeClr val="tx1"/>
-                </a:solidFill>
-                <a:miter lim="800000"/>
-                <a:headEnd/>
-                <a:tailEnd/>
-              </a14:hiddenLine>
-            </a:ext>
-            <a:ext uri="{AF507438-7753-43E0-B8FC-AC1667EBCBE1}">
-              <a14:hiddenEffects xmlns:a14="http://schemas.microsoft.com/office/drawing/2010/main">
-                <a:effectLst>
-                  <a:outerShdw dist="35921" dir="2700000" algn="ctr" rotWithShape="0">
-                    <a:schemeClr val="bg2"/>
-                  </a:outerShdw>
-                </a:effectLst>
-              </a14:hiddenEffects>
-            </a:ext>
-          </a:extLst>
-        </p:spPr>
-        <p:txBody>
-          <a:bodyPr vert="horz" wrap="none" lIns="91440" tIns="45720" rIns="91440" bIns="45720" numCol="1" anchor="ctr" anchorCtr="0" compatLnSpc="1">
-            <a:prstTxWarp prst="textNoShape">
-              <a:avLst/>
-            </a:prstTxWarp>
-            <a:spAutoFit/>
-          </a:bodyPr>
-          <a:lstStyle/>
-          <a:p>
-            <a:pPr marL="0" marR="0" lvl="0" indent="0" algn="l" defTabSz="914400" rtl="0" eaLnBrk="0" fontAlgn="base" latinLnBrk="0" hangingPunct="0">
-              <a:lnSpc>
-                <a:spcPct val="100000"/>
-              </a:lnSpc>
-              <a:spcBef>
-                <a:spcPct val="0"/>
-              </a:spcBef>
-              <a:spcAft>
-                <a:spcPct val="0"/>
-              </a:spcAft>
-              <a:buClrTx/>
-              <a:buSzTx/>
-              <a:buFontTx/>
-              <a:buNone/>
-              <a:tabLst/>
-            </a:pPr>
-            <a:r>
-              <a:rPr kumimoji="0" lang="zh-CN" altLang="zh-CN" sz="1200" b="0" i="0" u="none" strike="noStrike" cap="none" normalizeH="0" baseline="0">
-                <a:ln>
-                  <a:noFill/>
-                </a:ln>
-                <a:solidFill>
-                  <a:srgbClr val="333333"/>
-                </a:solidFill>
-                <a:effectLst/>
-                <a:latin typeface="Arial" panose="020B0604020202020204" pitchFamily="34" charset="0"/>
-                <a:ea typeface="Open Sans"/>
-              </a:rPr>
-              <a:t>CVPR2017</a:t>
-            </a:r>
-            <a:r>
-              <a:rPr kumimoji="0" lang="zh-CN" altLang="zh-CN" sz="600" b="0" i="0" u="none" strike="noStrike" cap="none" normalizeH="0" baseline="0">
-                <a:ln>
-                  <a:noFill/>
-                </a:ln>
-                <a:solidFill>
-                  <a:schemeClr val="tx1"/>
-                </a:solidFill>
-                <a:effectLst/>
-                <a:latin typeface="Arial" panose="020B0604020202020204" pitchFamily="34" charset="0"/>
-              </a:rPr>
-              <a:t> </a:t>
-            </a:r>
-            <a:endParaRPr kumimoji="0" lang="zh-CN" altLang="zh-CN" sz="1800" b="0" i="0" u="none" strike="noStrike" cap="none" normalizeH="0" baseline="0">
-              <a:ln>
-                <a:noFill/>
-              </a:ln>
-              <a:solidFill>
-                <a:schemeClr val="tx1"/>
-              </a:solidFill>
-              <a:effectLst/>
-              <a:latin typeface="Arial" panose="020B0604020202020204" pitchFamily="34" charset="0"/>
-            </a:endParaRPr>
           </a:p>
         </p:txBody>
       </p:sp>
@@ -5543,7 +5182,192 @@
           <a:p>
             <a:r>
               <a:rPr lang="en-US" altLang="zh-CN" dirty="0"/>
-              <a:t>Scene Text Detection - Result</a:t>
+              <a:t>Scene Text Detection - Method</a:t>
+            </a:r>
+          </a:p>
+        </p:txBody>
+      </p:sp>
+      <p:sp>
+        <p:nvSpPr>
+          <p:cNvPr id="3" name="内容占位符 2"/>
+          <p:cNvSpPr>
+            <a:spLocks noGrp="1"/>
+          </p:cNvSpPr>
+          <p:nvPr>
+            <p:ph idx="1"/>
+          </p:nvPr>
+        </p:nvSpPr>
+        <p:spPr>
+          <a:xfrm>
+            <a:off x="168494" y="1008517"/>
+            <a:ext cx="8651655" cy="2841588"/>
+          </a:xfrm>
+        </p:spPr>
+        <p:txBody>
+          <a:bodyPr/>
+          <a:lstStyle/>
+          <a:p>
+            <a:r>
+              <a:rPr lang="en-US" altLang="zh-CN" b="1" dirty="0"/>
+              <a:t>C</a:t>
+            </a:r>
+            <a:r>
+              <a:rPr lang="en-US" altLang="zh-CN" dirty="0"/>
+              <a:t>onnectionist </a:t>
+            </a:r>
+            <a:r>
+              <a:rPr lang="en-US" altLang="zh-CN" b="1" dirty="0"/>
+              <a:t>T</a:t>
+            </a:r>
+            <a:r>
+              <a:rPr lang="en-US" altLang="zh-CN" dirty="0"/>
+              <a:t>ext </a:t>
+            </a:r>
+            <a:r>
+              <a:rPr lang="en-US" altLang="zh-CN" b="1" dirty="0"/>
+              <a:t>P</a:t>
+            </a:r>
+            <a:r>
+              <a:rPr lang="en-US" altLang="zh-CN" dirty="0"/>
+              <a:t>roposal </a:t>
+            </a:r>
+            <a:r>
+              <a:rPr lang="en-US" altLang="zh-CN" b="1" dirty="0"/>
+              <a:t>N</a:t>
+            </a:r>
+            <a:r>
+              <a:rPr lang="en-US" altLang="zh-CN" dirty="0"/>
+              <a:t>etwork</a:t>
+            </a:r>
+            <a:r>
+              <a:rPr lang="en-US" altLang="zh-CN" b="1" dirty="0"/>
+              <a:t> - </a:t>
+            </a:r>
+            <a:r>
+              <a:rPr lang="en-US" altLang="zh-CN" dirty="0"/>
+              <a:t>ECCV2016</a:t>
+            </a:r>
+          </a:p>
+          <a:p>
+            <a:pPr lvl="1">
+              <a:lnSpc>
+                <a:spcPct val="100000"/>
+              </a:lnSpc>
+            </a:pPr>
+            <a:r>
+              <a:rPr lang="zh-CN" altLang="en-US" dirty="0"/>
+              <a:t>继承目标检测的经典方法 </a:t>
+            </a:r>
+            <a:r>
+              <a:rPr lang="en-US" altLang="zh-CN" dirty="0"/>
+              <a:t>Faster R-CNN</a:t>
+            </a:r>
+            <a:r>
+              <a:rPr lang="zh-CN" altLang="en-US" dirty="0"/>
+              <a:t>，采用 </a:t>
+            </a:r>
+            <a:r>
+              <a:rPr lang="en-US" altLang="zh-CN" dirty="0"/>
+              <a:t>anchor </a:t>
+            </a:r>
+            <a:r>
+              <a:rPr lang="zh-CN" altLang="en-US" dirty="0"/>
+              <a:t>极值预测字框。</a:t>
+            </a:r>
+          </a:p>
+          <a:p>
+            <a:pPr lvl="1">
+              <a:lnSpc>
+                <a:spcPct val="100000"/>
+              </a:lnSpc>
+            </a:pPr>
+            <a:r>
+              <a:rPr lang="zh-CN" altLang="en-US" dirty="0"/>
+              <a:t>基于</a:t>
+            </a:r>
+            <a:r>
+              <a:rPr lang="en-US" altLang="zh-CN" dirty="0"/>
+              <a:t>VGG16</a:t>
+            </a:r>
+            <a:r>
+              <a:rPr lang="zh-CN" altLang="en-US" dirty="0"/>
+              <a:t>提取图像特征得到 </a:t>
+            </a:r>
+            <a:r>
+              <a:rPr lang="en-US" altLang="zh-CN" dirty="0"/>
+              <a:t>feature map</a:t>
+            </a:r>
+            <a:r>
+              <a:rPr lang="zh-CN" altLang="en-US" dirty="0"/>
+              <a:t>。</a:t>
+            </a:r>
+            <a:endParaRPr lang="en-US" altLang="zh-CN" dirty="0"/>
+          </a:p>
+          <a:p>
+            <a:pPr lvl="1">
+              <a:lnSpc>
+                <a:spcPct val="100000"/>
+              </a:lnSpc>
+            </a:pPr>
+            <a:r>
+              <a:rPr lang="zh-CN" altLang="en-US" dirty="0"/>
+              <a:t>将特征逐行接入双向 </a:t>
+            </a:r>
+            <a:r>
+              <a:rPr lang="en-US" altLang="zh-CN" dirty="0"/>
+              <a:t>LSTM </a:t>
+            </a:r>
+            <a:r>
+              <a:rPr lang="zh-CN" altLang="en-US" dirty="0"/>
+              <a:t>训练，回归矩形框参数和文字置信度。</a:t>
+            </a:r>
+            <a:endParaRPr lang="en-US" altLang="zh-CN" dirty="0"/>
+          </a:p>
+          <a:p>
+            <a:pPr lvl="1">
+              <a:lnSpc>
+                <a:spcPct val="100000"/>
+              </a:lnSpc>
+            </a:pPr>
+            <a:r>
+              <a:rPr lang="zh-CN" altLang="en-US" dirty="0"/>
+              <a:t>评价</a:t>
+            </a:r>
+            <a:endParaRPr lang="en-US" altLang="zh-CN" dirty="0"/>
+          </a:p>
+          <a:p>
+            <a:pPr lvl="2">
+              <a:lnSpc>
+                <a:spcPct val="100000"/>
+              </a:lnSpc>
+            </a:pPr>
+            <a:r>
+              <a:rPr lang="zh-CN" altLang="en-US" dirty="0"/>
+              <a:t>文本检测的先驱之作。</a:t>
+            </a:r>
+            <a:endParaRPr lang="en-US" altLang="zh-CN" dirty="0"/>
+          </a:p>
+          <a:p>
+            <a:pPr lvl="2">
+              <a:lnSpc>
+                <a:spcPct val="100000"/>
+              </a:lnSpc>
+            </a:pPr>
+            <a:r>
+              <a:rPr lang="zh-CN" altLang="en-US" u="sng" dirty="0">
+                <a:effectLst>
+                  <a:outerShdw blurRad="38100" dist="38100" dir="2700000" algn="tl">
+                    <a:srgbClr val="000000">
+                      <a:alpha val="43137"/>
+                    </a:srgbClr>
+                  </a:outerShdw>
+                </a:effectLst>
+              </a:rPr>
+              <a:t>只考虑了横排的文字</a:t>
+            </a:r>
+            <a:r>
+              <a:rPr lang="zh-CN" altLang="en-US" dirty="0"/>
+              <a:t>，对单个字符做目标检测后把框都合并起来。</a:t>
             </a:r>
           </a:p>
         </p:txBody>
@@ -5572,124 +5396,510 @@
           </a:p>
         </p:txBody>
       </p:sp>
-      <p:sp>
-        <p:nvSpPr>
-          <p:cNvPr id="9" name="Rectangle 1">
+      <p:pic>
+        <p:nvPicPr>
+          <p:cNvPr id="6" name="图片 5">
             <a:extLst>
               <a:ext uri="{FF2B5EF4-FFF2-40B4-BE49-F238E27FC236}">
-                <a16:creationId xmlns:a16="http://schemas.microsoft.com/office/drawing/2014/main" id="{FE029038-FB7B-4547-998F-F537DA9FD9F3}"/>
+                <a16:creationId xmlns:a16="http://schemas.microsoft.com/office/drawing/2014/main" id="{1B5AE250-5A3B-4C13-816A-20C66CDF4A7D}"/>
               </a:ext>
             </a:extLst>
           </p:cNvPr>
-          <p:cNvSpPr>
-            <a:spLocks noChangeArrowheads="1"/>
-          </p:cNvSpPr>
+          <p:cNvPicPr>
+            <a:picLocks noChangeAspect="1"/>
+          </p:cNvPicPr>
           <p:nvPr/>
-        </p:nvSpPr>
-        <p:spPr bwMode="auto">
+        </p:nvPicPr>
+        <p:blipFill>
+          <a:blip r:embed="rId2">
+            <a:extLst>
+              <a:ext uri="{28A0092B-C50C-407E-A947-70E740481C1C}">
+                <a14:useLocalDpi xmlns:a14="http://schemas.microsoft.com/office/drawing/2010/main" val="0"/>
+              </a:ext>
+            </a:extLst>
+          </a:blip>
+          <a:stretch>
+            <a:fillRect/>
+          </a:stretch>
+        </p:blipFill>
+        <p:spPr>
           <a:xfrm>
-            <a:off x="0" y="0"/>
-            <a:ext cx="9144000" cy="0"/>
+            <a:off x="337320" y="3681533"/>
+            <a:ext cx="8429501" cy="2505435"/>
           </a:xfrm>
           <a:prstGeom prst="rect">
             <a:avLst/>
           </a:prstGeom>
-          <a:noFill/>
-          <a:ln>
-            <a:noFill/>
-          </a:ln>
-          <a:effectLst/>
-          <a:extLst>
-            <a:ext uri="{909E8E84-426E-40DD-AFC4-6F175D3DCCD1}">
-              <a14:hiddenFill xmlns:a14="http://schemas.microsoft.com/office/drawing/2010/main">
-                <a:solidFill>
-                  <a:schemeClr val="accent1"/>
-                </a:solidFill>
-              </a14:hiddenFill>
-            </a:ext>
-            <a:ext uri="{91240B29-F687-4F45-9708-019B960494DF}">
-              <a14:hiddenLine xmlns:a14="http://schemas.microsoft.com/office/drawing/2010/main" w="9525">
-                <a:solidFill>
-                  <a:schemeClr val="tx1"/>
-                </a:solidFill>
-                <a:miter lim="800000"/>
-                <a:headEnd/>
-                <a:tailEnd/>
-              </a14:hiddenLine>
-            </a:ext>
-            <a:ext uri="{AF507438-7753-43E0-B8FC-AC1667EBCBE1}">
-              <a14:hiddenEffects xmlns:a14="http://schemas.microsoft.com/office/drawing/2010/main">
-                <a:effectLst>
-                  <a:outerShdw dist="35921" dir="2700000" algn="ctr" rotWithShape="0">
-                    <a:schemeClr val="bg2"/>
-                  </a:outerShdw>
-                </a:effectLst>
-              </a14:hiddenEffects>
-            </a:ext>
-          </a:extLst>
+        </p:spPr>
+      </p:pic>
+      <p:sp>
+        <p:nvSpPr>
+          <p:cNvPr id="10" name="矩形 9">
+            <a:extLst>
+              <a:ext uri="{FF2B5EF4-FFF2-40B4-BE49-F238E27FC236}">
+                <a16:creationId xmlns:a16="http://schemas.microsoft.com/office/drawing/2014/main" id="{1A50CE0B-A036-4E95-BCD8-748DBF0DE811}"/>
+              </a:ext>
+            </a:extLst>
+          </p:cNvPr>
+          <p:cNvSpPr/>
+          <p:nvPr/>
+        </p:nvSpPr>
+        <p:spPr>
+          <a:xfrm>
+            <a:off x="295275" y="6220787"/>
+            <a:ext cx="8467725" cy="369332"/>
+          </a:xfrm>
+          <a:prstGeom prst="rect">
+            <a:avLst/>
+          </a:prstGeom>
         </p:spPr>
         <p:txBody>
-          <a:bodyPr vert="horz" wrap="none" lIns="91440" tIns="45720" rIns="91440" bIns="45720" numCol="1" anchor="ctr" anchorCtr="0" compatLnSpc="1">
-            <a:prstTxWarp prst="textNoShape">
-              <a:avLst/>
-            </a:prstTxWarp>
+          <a:bodyPr wrap="square">
             <a:spAutoFit/>
           </a:bodyPr>
           <a:lstStyle/>
           <a:p>
-            <a:pPr marL="0" marR="0" lvl="0" indent="0" algn="l" defTabSz="914400" rtl="0" eaLnBrk="0" fontAlgn="base" latinLnBrk="0" hangingPunct="0">
+            <a:r>
+              <a:rPr lang="en-US" altLang="zh-CN" dirty="0" err="1"/>
+              <a:t>Zhi</a:t>
+            </a:r>
+            <a:r>
+              <a:rPr lang="en-US" altLang="zh-CN" dirty="0"/>
+              <a:t> Tian </a:t>
+            </a:r>
+            <a:r>
+              <a:rPr lang="en-US" altLang="zh-CN" dirty="0" err="1"/>
+              <a:t>etc</a:t>
+            </a:r>
+            <a:r>
+              <a:rPr lang="en-US" altLang="zh-CN" dirty="0"/>
+              <a:t>, Detecting Text in Natural Image with Connectionist Text Proposal Network.</a:t>
+            </a:r>
+            <a:endParaRPr lang="zh-CN" altLang="en-US" dirty="0"/>
+          </a:p>
+        </p:txBody>
+      </p:sp>
+    </p:spTree>
+    <p:extLst>
+      <p:ext uri="{BB962C8B-B14F-4D97-AF65-F5344CB8AC3E}">
+        <p14:creationId xmlns:p14="http://schemas.microsoft.com/office/powerpoint/2010/main" val="989764078"/>
+      </p:ext>
+    </p:extLst>
+  </p:cSld>
+  <p:clrMapOvr>
+    <a:masterClrMapping/>
+  </p:clrMapOvr>
+</p:sld>
+</file>
+
+<file path=ppt/slides/slide14.xml><?xml version="1.0" encoding="utf-8"?>
+<p:sld xmlns:a="http://schemas.openxmlformats.org/drawingml/2006/main" xmlns:r="http://schemas.openxmlformats.org/officeDocument/2006/relationships" xmlns:p="http://schemas.openxmlformats.org/presentationml/2006/main">
+  <p:cSld>
+    <p:spTree>
+      <p:nvGrpSpPr>
+        <p:cNvPr id="1" name=""/>
+        <p:cNvGrpSpPr/>
+        <p:nvPr/>
+      </p:nvGrpSpPr>
+      <p:grpSpPr>
+        <a:xfrm>
+          <a:off x="0" y="0"/>
+          <a:ext cx="0" cy="0"/>
+          <a:chOff x="0" y="0"/>
+          <a:chExt cx="0" cy="0"/>
+        </a:xfrm>
+      </p:grpSpPr>
+      <p:sp>
+        <p:nvSpPr>
+          <p:cNvPr id="2" name="标题 1"/>
+          <p:cNvSpPr>
+            <a:spLocks noGrp="1"/>
+          </p:cNvSpPr>
+          <p:nvPr>
+            <p:ph type="title"/>
+          </p:nvPr>
+        </p:nvSpPr>
+        <p:spPr/>
+        <p:txBody>
+          <a:bodyPr/>
+          <a:lstStyle/>
+          <a:p>
+            <a:r>
+              <a:rPr lang="en-US" altLang="zh-CN" dirty="0"/>
+              <a:t>Scene Text Detection - Method</a:t>
+            </a:r>
+          </a:p>
+        </p:txBody>
+      </p:sp>
+      <p:sp>
+        <p:nvSpPr>
+          <p:cNvPr id="3" name="内容占位符 2"/>
+          <p:cNvSpPr>
+            <a:spLocks noGrp="1"/>
+          </p:cNvSpPr>
+          <p:nvPr>
+            <p:ph idx="1"/>
+          </p:nvPr>
+        </p:nvSpPr>
+        <p:spPr>
+          <a:xfrm>
+            <a:off x="168494" y="1008517"/>
+            <a:ext cx="8651655" cy="2841588"/>
+          </a:xfrm>
+        </p:spPr>
+        <p:txBody>
+          <a:bodyPr/>
+          <a:lstStyle/>
+          <a:p>
+            <a:r>
+              <a:rPr lang="en-US" altLang="zh-CN" b="1" dirty="0"/>
+              <a:t>C</a:t>
+            </a:r>
+            <a:r>
+              <a:rPr lang="en-US" altLang="zh-CN" dirty="0"/>
+              <a:t>onnectionist </a:t>
+            </a:r>
+            <a:r>
+              <a:rPr lang="en-US" altLang="zh-CN" b="1" dirty="0"/>
+              <a:t>T</a:t>
+            </a:r>
+            <a:r>
+              <a:rPr lang="en-US" altLang="zh-CN" dirty="0"/>
+              <a:t>ext </a:t>
+            </a:r>
+            <a:r>
+              <a:rPr lang="en-US" altLang="zh-CN" b="1" dirty="0"/>
+              <a:t>P</a:t>
+            </a:r>
+            <a:r>
+              <a:rPr lang="en-US" altLang="zh-CN" dirty="0"/>
+              <a:t>roposal </a:t>
+            </a:r>
+            <a:r>
+              <a:rPr lang="en-US" altLang="zh-CN" b="1" dirty="0"/>
+              <a:t>N</a:t>
+            </a:r>
+            <a:r>
+              <a:rPr lang="en-US" altLang="zh-CN" dirty="0"/>
+              <a:t>etwork</a:t>
+            </a:r>
+            <a:r>
+              <a:rPr lang="en-US" altLang="zh-CN" b="1" dirty="0"/>
+              <a:t> - </a:t>
+            </a:r>
+            <a:r>
+              <a:rPr lang="en-US" altLang="zh-CN" dirty="0"/>
+              <a:t>ECCV2016</a:t>
+            </a:r>
+          </a:p>
+          <a:p>
+            <a:pPr lvl="1">
               <a:lnSpc>
                 <a:spcPct val="100000"/>
               </a:lnSpc>
-              <a:spcBef>
-                <a:spcPct val="0"/>
-              </a:spcBef>
-              <a:spcAft>
-                <a:spcPct val="0"/>
-              </a:spcAft>
-              <a:buClrTx/>
-              <a:buSzTx/>
-              <a:buFontTx/>
-              <a:buNone/>
-              <a:tabLst/>
             </a:pPr>
             <a:r>
-              <a:rPr kumimoji="0" lang="zh-CN" altLang="zh-CN" sz="1200" b="0" i="0" u="none" strike="noStrike" cap="none" normalizeH="0" baseline="0">
-                <a:ln>
-                  <a:noFill/>
-                </a:ln>
-                <a:solidFill>
-                  <a:srgbClr val="333333"/>
-                </a:solidFill>
-                <a:effectLst/>
-                <a:latin typeface="Arial" panose="020B0604020202020204" pitchFamily="34" charset="0"/>
-                <a:ea typeface="Open Sans"/>
+              <a:rPr lang="zh-CN" altLang="en-US" dirty="0"/>
+              <a:t>继承目标检测的经典方法 </a:t>
+            </a:r>
+            <a:r>
+              <a:rPr lang="en-US" altLang="zh-CN" dirty="0"/>
+              <a:t>Faster R-CNN</a:t>
+            </a:r>
+            <a:r>
+              <a:rPr lang="zh-CN" altLang="en-US" dirty="0"/>
+              <a:t>，采用 </a:t>
+            </a:r>
+            <a:r>
+              <a:rPr lang="en-US" altLang="zh-CN" dirty="0"/>
+              <a:t>anchor </a:t>
+            </a:r>
+            <a:r>
+              <a:rPr lang="zh-CN" altLang="en-US" dirty="0"/>
+              <a:t>极值预测字框。</a:t>
+            </a:r>
+          </a:p>
+          <a:p>
+            <a:pPr lvl="1">
+              <a:lnSpc>
+                <a:spcPct val="100000"/>
+              </a:lnSpc>
+            </a:pPr>
+            <a:r>
+              <a:rPr lang="zh-CN" altLang="en-US" dirty="0"/>
+              <a:t>基于</a:t>
+            </a:r>
+            <a:r>
+              <a:rPr lang="en-US" altLang="zh-CN" dirty="0"/>
+              <a:t>VGG16</a:t>
+            </a:r>
+            <a:r>
+              <a:rPr lang="zh-CN" altLang="en-US" dirty="0"/>
+              <a:t>提取图像特征得到 </a:t>
+            </a:r>
+            <a:r>
+              <a:rPr lang="en-US" altLang="zh-CN" dirty="0"/>
+              <a:t>feature map</a:t>
+            </a:r>
+            <a:r>
+              <a:rPr lang="zh-CN" altLang="en-US" dirty="0"/>
+              <a:t>。</a:t>
+            </a:r>
+            <a:endParaRPr lang="en-US" altLang="zh-CN" dirty="0"/>
+          </a:p>
+          <a:p>
+            <a:pPr lvl="1">
+              <a:lnSpc>
+                <a:spcPct val="100000"/>
+              </a:lnSpc>
+            </a:pPr>
+            <a:r>
+              <a:rPr lang="zh-CN" altLang="en-US" dirty="0"/>
+              <a:t>将特征逐行接入双向 </a:t>
+            </a:r>
+            <a:r>
+              <a:rPr lang="en-US" altLang="zh-CN" dirty="0"/>
+              <a:t>LSTM </a:t>
+            </a:r>
+            <a:r>
+              <a:rPr lang="zh-CN" altLang="en-US" dirty="0"/>
+              <a:t>训练，回归矩形框参数和文字置信度。</a:t>
+            </a:r>
+            <a:endParaRPr lang="en-US" altLang="zh-CN" dirty="0"/>
+          </a:p>
+          <a:p>
+            <a:pPr lvl="1">
+              <a:lnSpc>
+                <a:spcPct val="100000"/>
+              </a:lnSpc>
+            </a:pPr>
+            <a:r>
+              <a:rPr lang="zh-CN" altLang="en-US" dirty="0"/>
+              <a:t>评价</a:t>
+            </a:r>
+            <a:endParaRPr lang="en-US" altLang="zh-CN" dirty="0"/>
+          </a:p>
+          <a:p>
+            <a:pPr lvl="2">
+              <a:lnSpc>
+                <a:spcPct val="100000"/>
+              </a:lnSpc>
+            </a:pPr>
+            <a:r>
+              <a:rPr lang="zh-CN" altLang="en-US" dirty="0"/>
+              <a:t>文本检测的先驱之作。</a:t>
+            </a:r>
+            <a:endParaRPr lang="en-US" altLang="zh-CN" dirty="0"/>
+          </a:p>
+          <a:p>
+            <a:pPr lvl="2">
+              <a:lnSpc>
+                <a:spcPct val="100000"/>
+              </a:lnSpc>
+            </a:pPr>
+            <a:r>
+              <a:rPr lang="zh-CN" altLang="en-US" u="sng" dirty="0">
+                <a:effectLst>
+                  <a:outerShdw blurRad="38100" dist="38100" dir="2700000" algn="tl">
+                    <a:srgbClr val="000000">
+                      <a:alpha val="43137"/>
+                    </a:srgbClr>
+                  </a:outerShdw>
+                </a:effectLst>
               </a:rPr>
-              <a:t>CVPR2017</a:t>
-            </a:r>
-            <a:r>
-              <a:rPr kumimoji="0" lang="zh-CN" altLang="zh-CN" sz="600" b="0" i="0" u="none" strike="noStrike" cap="none" normalizeH="0" baseline="0">
-                <a:ln>
-                  <a:noFill/>
-                </a:ln>
-                <a:solidFill>
-                  <a:schemeClr val="tx1"/>
-                </a:solidFill>
-                <a:effectLst/>
-                <a:latin typeface="Arial" panose="020B0604020202020204" pitchFamily="34" charset="0"/>
-              </a:rPr>
+              <a:t>只考虑了横排的文字</a:t>
+            </a:r>
+            <a:r>
+              <a:rPr lang="zh-CN" altLang="en-US" dirty="0"/>
+              <a:t>，对单个字符做目标检测后把框都合并起来。</a:t>
+            </a:r>
+          </a:p>
+        </p:txBody>
+      </p:sp>
+      <p:sp>
+        <p:nvSpPr>
+          <p:cNvPr id="4" name="灯片编号占位符 3"/>
+          <p:cNvSpPr>
+            <a:spLocks noGrp="1"/>
+          </p:cNvSpPr>
+          <p:nvPr>
+            <p:ph type="sldNum" sz="quarter" idx="12"/>
+          </p:nvPr>
+        </p:nvSpPr>
+        <p:spPr/>
+        <p:txBody>
+          <a:bodyPr/>
+          <a:lstStyle/>
+          <a:p>
+            <a:fld id="{A5AAEF0F-0BBD-4BC2-B079-FA6741C313A3}" type="slidenum">
+              <a:rPr lang="zh-CN" altLang="en-US" smtClean="0"/>
+              <a:pPr/>
+              <a:t>14</a:t>
+            </a:fld>
+            <a:endParaRPr lang="zh-CN" altLang="en-US"/>
+          </a:p>
+        </p:txBody>
+      </p:sp>
+      <p:pic>
+        <p:nvPicPr>
+          <p:cNvPr id="6" name="图片 5">
+            <a:extLst>
+              <a:ext uri="{FF2B5EF4-FFF2-40B4-BE49-F238E27FC236}">
+                <a16:creationId xmlns:a16="http://schemas.microsoft.com/office/drawing/2014/main" id="{1B5AE250-5A3B-4C13-816A-20C66CDF4A7D}"/>
+              </a:ext>
+            </a:extLst>
+          </p:cNvPr>
+          <p:cNvPicPr>
+            <a:picLocks noChangeAspect="1"/>
+          </p:cNvPicPr>
+          <p:nvPr/>
+        </p:nvPicPr>
+        <p:blipFill>
+          <a:blip r:embed="rId2">
+            <a:extLst>
+              <a:ext uri="{28A0092B-C50C-407E-A947-70E740481C1C}">
+                <a14:useLocalDpi xmlns:a14="http://schemas.microsoft.com/office/drawing/2010/main" val="0"/>
+              </a:ext>
+            </a:extLst>
+          </a:blip>
+          <a:stretch>
+            <a:fillRect/>
+          </a:stretch>
+        </p:blipFill>
+        <p:spPr>
+          <a:xfrm>
+            <a:off x="337320" y="3681533"/>
+            <a:ext cx="8429501" cy="2505435"/>
+          </a:xfrm>
+          <a:prstGeom prst="rect">
+            <a:avLst/>
+          </a:prstGeom>
+        </p:spPr>
+      </p:pic>
+      <p:sp>
+        <p:nvSpPr>
+          <p:cNvPr id="10" name="矩形 9">
+            <a:extLst>
+              <a:ext uri="{FF2B5EF4-FFF2-40B4-BE49-F238E27FC236}">
+                <a16:creationId xmlns:a16="http://schemas.microsoft.com/office/drawing/2014/main" id="{1A50CE0B-A036-4E95-BCD8-748DBF0DE811}"/>
+              </a:ext>
+            </a:extLst>
+          </p:cNvPr>
+          <p:cNvSpPr/>
+          <p:nvPr/>
+        </p:nvSpPr>
+        <p:spPr>
+          <a:xfrm>
+            <a:off x="295275" y="6220787"/>
+            <a:ext cx="8467725" cy="369332"/>
+          </a:xfrm>
+          <a:prstGeom prst="rect">
+            <a:avLst/>
+          </a:prstGeom>
+        </p:spPr>
+        <p:txBody>
+          <a:bodyPr wrap="square">
+            <a:spAutoFit/>
+          </a:bodyPr>
+          <a:lstStyle/>
+          <a:p>
+            <a:r>
+              <a:rPr lang="en-US" altLang="zh-CN" dirty="0" err="1"/>
+              <a:t>Baoguang</a:t>
+            </a:r>
+            <a:r>
+              <a:rPr lang="en-US" altLang="zh-CN" dirty="0"/>
+              <a:t> Shi,</a:t>
+            </a:r>
+            <a:r>
+              <a:rPr lang="zh-CN" altLang="en-US" dirty="0"/>
               <a:t> </a:t>
             </a:r>
-            <a:endParaRPr kumimoji="0" lang="zh-CN" altLang="zh-CN" sz="1800" b="0" i="0" u="none" strike="noStrike" cap="none" normalizeH="0" baseline="0">
-              <a:ln>
-                <a:noFill/>
-              </a:ln>
-              <a:solidFill>
-                <a:schemeClr val="tx1"/>
-              </a:solidFill>
-              <a:effectLst/>
-              <a:latin typeface="Arial" panose="020B0604020202020204" pitchFamily="34" charset="0"/>
-            </a:endParaRPr>
+            <a:r>
+              <a:rPr lang="en-US" altLang="zh-CN" dirty="0" err="1"/>
+              <a:t>etc</a:t>
+            </a:r>
+            <a:r>
+              <a:rPr lang="en-US" altLang="zh-CN" dirty="0"/>
+              <a:t>, Detecting Oriented Text in Natural Images by Linking Segments.</a:t>
+            </a:r>
+            <a:endParaRPr lang="zh-CN" altLang="en-US" dirty="0"/>
+          </a:p>
+        </p:txBody>
+      </p:sp>
+    </p:spTree>
+    <p:extLst>
+      <p:ext uri="{BB962C8B-B14F-4D97-AF65-F5344CB8AC3E}">
+        <p14:creationId xmlns:p14="http://schemas.microsoft.com/office/powerpoint/2010/main" val="1177705518"/>
+      </p:ext>
+    </p:extLst>
+  </p:cSld>
+  <p:clrMapOvr>
+    <a:masterClrMapping/>
+  </p:clrMapOvr>
+</p:sld>
+</file>
+
+<file path=ppt/slides/slide15.xml><?xml version="1.0" encoding="utf-8"?>
+<p:sld xmlns:a="http://schemas.openxmlformats.org/drawingml/2006/main" xmlns:r="http://schemas.openxmlformats.org/officeDocument/2006/relationships" xmlns:p="http://schemas.openxmlformats.org/presentationml/2006/main">
+  <p:cSld>
+    <p:spTree>
+      <p:nvGrpSpPr>
+        <p:cNvPr id="1" name=""/>
+        <p:cNvGrpSpPr/>
+        <p:nvPr/>
+      </p:nvGrpSpPr>
+      <p:grpSpPr>
+        <a:xfrm>
+          <a:off x="0" y="0"/>
+          <a:ext cx="0" cy="0"/>
+          <a:chOff x="0" y="0"/>
+          <a:chExt cx="0" cy="0"/>
+        </a:xfrm>
+      </p:grpSpPr>
+      <p:sp>
+        <p:nvSpPr>
+          <p:cNvPr id="2" name="标题 1"/>
+          <p:cNvSpPr>
+            <a:spLocks noGrp="1"/>
+          </p:cNvSpPr>
+          <p:nvPr>
+            <p:ph type="title"/>
+          </p:nvPr>
+        </p:nvSpPr>
+        <p:spPr/>
+        <p:txBody>
+          <a:bodyPr/>
+          <a:lstStyle/>
+          <a:p>
+            <a:r>
+              <a:rPr lang="en-US" altLang="zh-CN" dirty="0"/>
+              <a:t>Scene Text Detection - Result</a:t>
+            </a:r>
+          </a:p>
+        </p:txBody>
+      </p:sp>
+      <p:sp>
+        <p:nvSpPr>
+          <p:cNvPr id="4" name="灯片编号占位符 3"/>
+          <p:cNvSpPr>
+            <a:spLocks noGrp="1"/>
+          </p:cNvSpPr>
+          <p:nvPr>
+            <p:ph type="sldNum" sz="quarter" idx="12"/>
+          </p:nvPr>
+        </p:nvSpPr>
+        <p:spPr/>
+        <p:txBody>
+          <a:bodyPr/>
+          <a:lstStyle/>
+          <a:p>
+            <a:fld id="{A5AAEF0F-0BBD-4BC2-B079-FA6741C313A3}" type="slidenum">
+              <a:rPr lang="zh-CN" altLang="en-US" smtClean="0"/>
+              <a:pPr/>
+              <a:t>15</a:t>
+            </a:fld>
+            <a:endParaRPr lang="zh-CN" altLang="en-US"/>
           </a:p>
         </p:txBody>
       </p:sp>
@@ -5817,7 +6027,7 @@
 </p:sld>
 </file>
 
-<file path=ppt/slides/slide14.xml><?xml version="1.0" encoding="utf-8"?>
+<file path=ppt/slides/slide16.xml><?xml version="1.0" encoding="utf-8"?>
 <p:sld xmlns:a="http://schemas.openxmlformats.org/drawingml/2006/main" xmlns:r="http://schemas.openxmlformats.org/officeDocument/2006/relationships" xmlns:p="http://schemas.openxmlformats.org/presentationml/2006/main">
   <p:cSld>
     <p:spTree>
@@ -5868,8 +6078,8 @@
         </p:nvSpPr>
         <p:spPr>
           <a:xfrm>
-            <a:off x="76200" y="989467"/>
-            <a:ext cx="9144000" cy="3085018"/>
+            <a:off x="114701" y="1095344"/>
+            <a:ext cx="9029300" cy="3592693"/>
           </a:xfrm>
         </p:spPr>
         <p:txBody>
@@ -5882,26 +6092,26 @@
               </a:lnSpc>
             </a:pPr>
             <a:r>
-              <a:rPr lang="zh-CN" altLang="en-US" sz="2000" dirty="0"/>
+              <a:rPr lang="zh-CN" altLang="en-US" sz="1500" dirty="0"/>
               <a:t>文档图像识别技术进展与应用​</a:t>
             </a:r>
             <a:r>
-              <a:rPr lang="en-US" altLang="zh-CN" sz="2000" dirty="0"/>
+              <a:rPr lang="en-US" altLang="zh-CN" sz="1500" dirty="0"/>
               <a:t>, 2019, </a:t>
             </a:r>
             <a:r>
-              <a:rPr lang="zh-CN" altLang="en-US" sz="2000" dirty="0"/>
+              <a:rPr lang="zh-CN" altLang="en-US" sz="1500" dirty="0"/>
               <a:t>中科院自动化研究所</a:t>
             </a:r>
             <a:r>
-              <a:rPr lang="en-US" altLang="zh-CN" sz="2000" dirty="0"/>
+              <a:rPr lang="en-US" altLang="zh-CN" sz="1500" dirty="0"/>
               <a:t>, </a:t>
             </a:r>
             <a:r>
-              <a:rPr lang="zh-CN" altLang="en-US" sz="2000" dirty="0"/>
+              <a:rPr lang="zh-CN" altLang="en-US" sz="1500" dirty="0"/>
               <a:t>刘成林</a:t>
             </a:r>
-            <a:endParaRPr lang="en-US" altLang="zh-CN" sz="2000" dirty="0"/>
+            <a:endParaRPr lang="en-US" altLang="zh-CN" sz="1500" dirty="0"/>
           </a:p>
           <a:p>
             <a:pPr>
@@ -5910,11 +6120,11 @@
               </a:lnSpc>
             </a:pPr>
             <a:r>
-              <a:rPr lang="en-US" altLang="zh-CN" sz="2000" dirty="0"/>
+              <a:rPr lang="en-US" altLang="zh-CN" sz="1500" dirty="0"/>
               <a:t>Wikipedia - Document analysis / </a:t>
             </a:r>
             <a:r>
-              <a:rPr lang="en-US" altLang="zh-CN" sz="2000" dirty="0">
+              <a:rPr lang="en-US" altLang="zh-CN" sz="1500" dirty="0">
                 <a:ea typeface="微软雅黑" panose="020B0503020204020204" pitchFamily="34" charset="-122"/>
               </a:rPr>
               <a:t>ICDAR</a:t>
@@ -5927,8 +6137,8 @@
               </a:lnSpc>
             </a:pPr>
             <a:r>
-              <a:rPr lang="en-US" altLang="zh-CN" sz="2000" dirty="0"/>
-              <a:t>G. Nagy, S. Seth, M. Viswanathan. A prototype document image analysis system for technical journals. Computer, 1992</a:t>
+              <a:rPr lang="en-US" altLang="zh-CN" sz="1500" dirty="0"/>
+              <a:t>G. Nagy, A prototype document image analysis system for technical journals. Computer, 1992</a:t>
             </a:r>
           </a:p>
           <a:p>
@@ -5938,7 +6148,7 @@
               </a:lnSpc>
             </a:pPr>
             <a:r>
-              <a:rPr lang="en-US" altLang="zh-CN" sz="2000" dirty="0"/>
+              <a:rPr lang="en-US" altLang="zh-CN" sz="1500" dirty="0"/>
               <a:t>L. O'Gorman, The document spectrum for page layout analysis, IEEE T-PAMI, 1993</a:t>
             </a:r>
           </a:p>
@@ -5949,27 +6159,27 @@
               </a:lnSpc>
             </a:pPr>
             <a:r>
-              <a:rPr lang="en-US" altLang="zh-CN" sz="2000" dirty="0" err="1"/>
+              <a:rPr lang="en-US" altLang="zh-CN" sz="1500" dirty="0" err="1"/>
               <a:t>Youngmin</a:t>
             </a:r>
             <a:r>
-              <a:rPr lang="en-US" altLang="zh-CN" sz="2000" dirty="0"/>
+              <a:rPr lang="en-US" altLang="zh-CN" sz="1500" dirty="0"/>
               <a:t> </a:t>
             </a:r>
             <a:r>
-              <a:rPr lang="en-US" altLang="zh-CN" sz="2000" dirty="0" err="1"/>
+              <a:rPr lang="en-US" altLang="zh-CN" sz="1500" dirty="0" err="1"/>
               <a:t>Baek</a:t>
             </a:r>
             <a:r>
-              <a:rPr lang="en-US" altLang="zh-CN" sz="2000" dirty="0"/>
+              <a:rPr lang="en-US" altLang="zh-CN" sz="1500" dirty="0"/>
               <a:t>,</a:t>
             </a:r>
             <a:r>
-              <a:rPr lang="zh-CN" altLang="en-US" sz="2000" dirty="0"/>
+              <a:rPr lang="zh-CN" altLang="en-US" sz="1500" dirty="0"/>
               <a:t> </a:t>
             </a:r>
             <a:r>
-              <a:rPr lang="en-US" altLang="zh-CN" sz="2000" dirty="0"/>
+              <a:rPr lang="en-US" altLang="zh-CN" sz="1500" dirty="0"/>
               <a:t>Character Region Awareness for Text Detection, CVPR2019</a:t>
             </a:r>
           </a:p>
@@ -5980,14 +6190,13 @@
               </a:lnSpc>
             </a:pPr>
             <a:r>
-              <a:rPr lang="en-US" altLang="zh-CN" sz="2000" dirty="0" err="1"/>
+              <a:rPr lang="en-US" altLang="zh-CN" sz="1500" dirty="0" err="1"/>
               <a:t>Xiaobing</a:t>
             </a:r>
             <a:r>
-              <a:rPr lang="en-US" altLang="zh-CN" sz="2000" dirty="0"/>
+              <a:rPr lang="en-US" altLang="zh-CN" sz="1500" dirty="0"/>
               <a:t> Wang, Arbitrary Shape Scene Text Detection with Adaptive Text Region Representation, CVPR2019</a:t>
             </a:r>
-            <a:endParaRPr lang="zh-CN" altLang="en-US" sz="2000" dirty="0"/>
           </a:p>
           <a:p>
             <a:pPr>
@@ -5995,7 +6204,14 @@
                 <a:spcPct val="100000"/>
               </a:lnSpc>
             </a:pPr>
-            <a:endParaRPr lang="en-US" altLang="zh-CN" sz="2000" dirty="0"/>
+            <a:r>
+              <a:rPr lang="en-US" altLang="zh-CN" sz="1500" dirty="0" err="1"/>
+              <a:t>Zhi</a:t>
+            </a:r>
+            <a:r>
+              <a:rPr lang="en-US" altLang="zh-CN" sz="1500" dirty="0"/>
+              <a:t> Tian, Detecting Text in Natural Image with Connectionist Text Proposal Network, ECCV2016</a:t>
+            </a:r>
           </a:p>
           <a:p>
             <a:pPr>
@@ -6003,7 +6219,23 @@
                 <a:spcPct val="100000"/>
               </a:lnSpc>
             </a:pPr>
-            <a:endParaRPr lang="en-US" altLang="zh-CN" sz="2000" dirty="0"/>
+            <a:r>
+              <a:rPr lang="en-US" altLang="zh-CN" sz="1500" dirty="0" err="1"/>
+              <a:t>Baoguang</a:t>
+            </a:r>
+            <a:r>
+              <a:rPr lang="en-US" altLang="zh-CN" sz="1500" dirty="0"/>
+              <a:t> Shi,</a:t>
+            </a:r>
+            <a:r>
+              <a:rPr lang="zh-CN" altLang="en-US" sz="1500" dirty="0"/>
+              <a:t> </a:t>
+            </a:r>
+            <a:r>
+              <a:rPr lang="en-US" altLang="zh-CN" sz="1500" dirty="0"/>
+              <a:t>Detecting Oriented Text in Natural Images by Linking Segments, CVPR2017</a:t>
+            </a:r>
+            <a:endParaRPr lang="zh-CN" altLang="en-US" sz="1500" dirty="0"/>
           </a:p>
         </p:txBody>
       </p:sp>
@@ -6025,7 +6257,7 @@
             <a:fld id="{A5AAEF0F-0BBD-4BC2-B079-FA6741C313A3}" type="slidenum">
               <a:rPr lang="zh-CN" altLang="en-US" smtClean="0"/>
               <a:pPr/>
-              <a:t>14</a:t>
+              <a:t>16</a:t>
             </a:fld>
             <a:endParaRPr lang="zh-CN" altLang="en-US"/>
           </a:p>
@@ -11619,127 +11851,6 @@
           </a:p>
         </p:txBody>
       </p:sp>
-      <p:sp>
-        <p:nvSpPr>
-          <p:cNvPr id="9" name="Rectangle 1">
-            <a:extLst>
-              <a:ext uri="{FF2B5EF4-FFF2-40B4-BE49-F238E27FC236}">
-                <a16:creationId xmlns:a16="http://schemas.microsoft.com/office/drawing/2014/main" id="{FE029038-FB7B-4547-998F-F537DA9FD9F3}"/>
-              </a:ext>
-            </a:extLst>
-          </p:cNvPr>
-          <p:cNvSpPr>
-            <a:spLocks noChangeArrowheads="1"/>
-          </p:cNvSpPr>
-          <p:nvPr/>
-        </p:nvSpPr>
-        <p:spPr bwMode="auto">
-          <a:xfrm>
-            <a:off x="0" y="0"/>
-            <a:ext cx="9144000" cy="0"/>
-          </a:xfrm>
-          <a:prstGeom prst="rect">
-            <a:avLst/>
-          </a:prstGeom>
-          <a:noFill/>
-          <a:ln>
-            <a:noFill/>
-          </a:ln>
-          <a:effectLst/>
-          <a:extLst>
-            <a:ext uri="{909E8E84-426E-40DD-AFC4-6F175D3DCCD1}">
-              <a14:hiddenFill xmlns:a14="http://schemas.microsoft.com/office/drawing/2010/main">
-                <a:solidFill>
-                  <a:schemeClr val="accent1"/>
-                </a:solidFill>
-              </a14:hiddenFill>
-            </a:ext>
-            <a:ext uri="{91240B29-F687-4F45-9708-019B960494DF}">
-              <a14:hiddenLine xmlns:a14="http://schemas.microsoft.com/office/drawing/2010/main" w="9525">
-                <a:solidFill>
-                  <a:schemeClr val="tx1"/>
-                </a:solidFill>
-                <a:miter lim="800000"/>
-                <a:headEnd/>
-                <a:tailEnd/>
-              </a14:hiddenLine>
-            </a:ext>
-            <a:ext uri="{AF507438-7753-43E0-B8FC-AC1667EBCBE1}">
-              <a14:hiddenEffects xmlns:a14="http://schemas.microsoft.com/office/drawing/2010/main">
-                <a:effectLst>
-                  <a:outerShdw dist="35921" dir="2700000" algn="ctr" rotWithShape="0">
-                    <a:schemeClr val="bg2"/>
-                  </a:outerShdw>
-                </a:effectLst>
-              </a14:hiddenEffects>
-            </a:ext>
-          </a:extLst>
-        </p:spPr>
-        <p:txBody>
-          <a:bodyPr vert="horz" wrap="none" lIns="91440" tIns="45720" rIns="91440" bIns="45720" numCol="1" anchor="ctr" anchorCtr="0" compatLnSpc="1">
-            <a:prstTxWarp prst="textNoShape">
-              <a:avLst/>
-            </a:prstTxWarp>
-            <a:spAutoFit/>
-          </a:bodyPr>
-          <a:lstStyle/>
-          <a:p>
-            <a:pPr marL="0" marR="0" lvl="0" indent="0" algn="l" defTabSz="914400" rtl="0" eaLnBrk="0" fontAlgn="base" latinLnBrk="0" hangingPunct="0">
-              <a:lnSpc>
-                <a:spcPct val="100000"/>
-              </a:lnSpc>
-              <a:spcBef>
-                <a:spcPct val="0"/>
-              </a:spcBef>
-              <a:spcAft>
-                <a:spcPct val="0"/>
-              </a:spcAft>
-              <a:buClrTx/>
-              <a:buSzTx/>
-              <a:buFontTx/>
-              <a:buNone/>
-              <a:tabLst/>
-            </a:pPr>
-            <a:r>
-              <a:rPr kumimoji="0" lang="zh-CN" altLang="zh-CN" sz="1200" b="0" i="0" u="none" strike="noStrike" cap="none" normalizeH="0" baseline="0">
-                <a:ln>
-                  <a:noFill/>
-                </a:ln>
-                <a:solidFill>
-                  <a:srgbClr val="333333"/>
-                </a:solidFill>
-                <a:effectLst/>
-                <a:latin typeface="Arial" panose="020B0604020202020204" pitchFamily="34" charset="0"/>
-                <a:ea typeface="Open Sans"/>
-              </a:rPr>
-              <a:t>CVPR2017</a:t>
-            </a:r>
-            <a:r>
-              <a:rPr kumimoji="0" lang="zh-CN" altLang="zh-CN" sz="600" b="0" i="0" u="none" strike="noStrike" cap="none" normalizeH="0" baseline="0">
-                <a:ln>
-                  <a:noFill/>
-                </a:ln>
-                <a:solidFill>
-                  <a:schemeClr val="tx1"/>
-                </a:solidFill>
-                <a:effectLst/>
-                <a:latin typeface="Arial" panose="020B0604020202020204" pitchFamily="34" charset="0"/>
-              </a:rPr>
-              <a:t> </a:t>
-            </a:r>
-            <a:endParaRPr kumimoji="0" lang="zh-CN" altLang="zh-CN" sz="1800" b="0" i="0" u="none" strike="noStrike" cap="none" normalizeH="0" baseline="0">
-              <a:ln>
-                <a:noFill/>
-              </a:ln>
-              <a:solidFill>
-                <a:schemeClr val="tx1"/>
-              </a:solidFill>
-              <a:effectLst/>
-              <a:latin typeface="Arial" panose="020B0604020202020204" pitchFamily="34" charset="0"/>
-            </a:endParaRPr>
-          </a:p>
-        </p:txBody>
-      </p:sp>
       <p:pic>
         <p:nvPicPr>
           <p:cNvPr id="5" name="图片 4">

--- a/Document Analysis.pptx
+++ b/Document Analysis.pptx
@@ -5,10 +5,10 @@
     <p:sldMasterId id="2147483648" r:id="rId1"/>
   </p:sldMasterIdLst>
   <p:notesMasterIdLst>
-    <p:notesMasterId r:id="rId18"/>
+    <p:notesMasterId r:id="rId19"/>
   </p:notesMasterIdLst>
   <p:handoutMasterIdLst>
-    <p:handoutMasterId r:id="rId19"/>
+    <p:handoutMasterId r:id="rId20"/>
   </p:handoutMasterIdLst>
   <p:sldIdLst>
     <p:sldId id="607" r:id="rId2"/>
@@ -25,8 +25,9 @@
     <p:sldId id="631" r:id="rId13"/>
     <p:sldId id="634" r:id="rId14"/>
     <p:sldId id="635" r:id="rId15"/>
-    <p:sldId id="633" r:id="rId16"/>
-    <p:sldId id="622" r:id="rId17"/>
+    <p:sldId id="636" r:id="rId16"/>
+    <p:sldId id="633" r:id="rId17"/>
+    <p:sldId id="622" r:id="rId18"/>
   </p:sldIdLst>
   <p:sldSz cx="9144000" cy="6858000" type="screen4x3"/>
   <p:notesSz cx="6858000" cy="9144000"/>
@@ -5182,7 +5183,7 @@
           <a:p>
             <a:r>
               <a:rPr lang="en-US" altLang="zh-CN" dirty="0"/>
-              <a:t>Scene Text Detection - Method</a:t>
+              <a:t>Scene Text Detection – Proposal Based</a:t>
             </a:r>
           </a:p>
         </p:txBody>
@@ -5200,7 +5201,7 @@
         <p:spPr>
           <a:xfrm>
             <a:off x="168494" y="1008517"/>
-            <a:ext cx="8651655" cy="2841588"/>
+            <a:ext cx="8651655" cy="2009003"/>
           </a:xfrm>
         </p:spPr>
         <p:txBody>
@@ -5264,91 +5265,12 @@
             </a:r>
             <a:r>
               <a:rPr lang="zh-CN" altLang="en-US" dirty="0"/>
-              <a:t>，采用 </a:t>
-            </a:r>
-            <a:r>
-              <a:rPr lang="en-US" altLang="zh-CN" dirty="0"/>
-              <a:t>anchor </a:t>
-            </a:r>
-            <a:r>
-              <a:rPr lang="zh-CN" altLang="en-US" dirty="0"/>
-              <a:t>极值预测字框。</a:t>
-            </a:r>
+              <a:t>，是文本检测的先驱之作。</a:t>
+            </a:r>
+            <a:endParaRPr lang="en-US" altLang="zh-CN" dirty="0"/>
           </a:p>
           <a:p>
             <a:pPr lvl="1">
-              <a:lnSpc>
-                <a:spcPct val="100000"/>
-              </a:lnSpc>
-            </a:pPr>
-            <a:r>
-              <a:rPr lang="zh-CN" altLang="en-US" dirty="0"/>
-              <a:t>基于</a:t>
-            </a:r>
-            <a:r>
-              <a:rPr lang="en-US" altLang="zh-CN" dirty="0"/>
-              <a:t>VGG16</a:t>
-            </a:r>
-            <a:r>
-              <a:rPr lang="zh-CN" altLang="en-US" dirty="0"/>
-              <a:t>提取图像特征得到 </a:t>
-            </a:r>
-            <a:r>
-              <a:rPr lang="en-US" altLang="zh-CN" dirty="0"/>
-              <a:t>feature map</a:t>
-            </a:r>
-            <a:r>
-              <a:rPr lang="zh-CN" altLang="en-US" dirty="0"/>
-              <a:t>。</a:t>
-            </a:r>
-            <a:endParaRPr lang="en-US" altLang="zh-CN" dirty="0"/>
-          </a:p>
-          <a:p>
-            <a:pPr lvl="1">
-              <a:lnSpc>
-                <a:spcPct val="100000"/>
-              </a:lnSpc>
-            </a:pPr>
-            <a:r>
-              <a:rPr lang="zh-CN" altLang="en-US" dirty="0"/>
-              <a:t>将特征逐行接入双向 </a:t>
-            </a:r>
-            <a:r>
-              <a:rPr lang="en-US" altLang="zh-CN" dirty="0"/>
-              <a:t>LSTM </a:t>
-            </a:r>
-            <a:r>
-              <a:rPr lang="zh-CN" altLang="en-US" dirty="0"/>
-              <a:t>训练，回归矩形框参数和文字置信度。</a:t>
-            </a:r>
-            <a:endParaRPr lang="en-US" altLang="zh-CN" dirty="0"/>
-          </a:p>
-          <a:p>
-            <a:pPr lvl="1">
-              <a:lnSpc>
-                <a:spcPct val="100000"/>
-              </a:lnSpc>
-            </a:pPr>
-            <a:r>
-              <a:rPr lang="zh-CN" altLang="en-US" dirty="0"/>
-              <a:t>评价</a:t>
-            </a:r>
-            <a:endParaRPr lang="en-US" altLang="zh-CN" dirty="0"/>
-          </a:p>
-          <a:p>
-            <a:pPr lvl="2">
-              <a:lnSpc>
-                <a:spcPct val="100000"/>
-              </a:lnSpc>
-            </a:pPr>
-            <a:r>
-              <a:rPr lang="zh-CN" altLang="en-US" dirty="0"/>
-              <a:t>文本检测的先驱之作。</a:t>
-            </a:r>
-            <a:endParaRPr lang="en-US" altLang="zh-CN" dirty="0"/>
-          </a:p>
-          <a:p>
-            <a:pPr lvl="2">
               <a:lnSpc>
                 <a:spcPct val="100000"/>
               </a:lnSpc>
@@ -5369,6 +5291,55 @@
               <a:rPr lang="zh-CN" altLang="en-US" dirty="0"/>
               <a:t>，对单个字符做目标检测后把框都合并起来。</a:t>
             </a:r>
+            <a:endParaRPr lang="en-US" altLang="zh-CN" dirty="0"/>
+          </a:p>
+          <a:p>
+            <a:pPr lvl="2">
+              <a:lnSpc>
+                <a:spcPct val="100000"/>
+              </a:lnSpc>
+            </a:pPr>
+            <a:r>
+              <a:rPr lang="zh-CN" altLang="en-US" dirty="0"/>
+              <a:t>采用经典的 </a:t>
+            </a:r>
+            <a:r>
+              <a:rPr lang="en-US" altLang="zh-CN" dirty="0"/>
+              <a:t>Anchor </a:t>
+            </a:r>
+            <a:r>
+              <a:rPr lang="zh-CN" altLang="en-US" dirty="0"/>
+              <a:t>机制预测字框，将特征逐行接入双向 </a:t>
+            </a:r>
+            <a:r>
+              <a:rPr lang="en-US" altLang="zh-CN" dirty="0"/>
+              <a:t>LSTM </a:t>
+            </a:r>
+            <a:r>
+              <a:rPr lang="zh-CN" altLang="en-US" dirty="0"/>
+              <a:t>训练。</a:t>
+            </a:r>
+            <a:endParaRPr lang="en-US" altLang="zh-CN" dirty="0"/>
+          </a:p>
+          <a:p>
+            <a:pPr lvl="2">
+              <a:lnSpc>
+                <a:spcPct val="100000"/>
+              </a:lnSpc>
+            </a:pPr>
+            <a:r>
+              <a:rPr lang="zh-CN" altLang="en-US" dirty="0"/>
+              <a:t>将结果框做一遍 </a:t>
+            </a:r>
+            <a:r>
+              <a:rPr lang="en-US" altLang="zh-CN" dirty="0"/>
+              <a:t>NMS </a:t>
+            </a:r>
+            <a:r>
+              <a:rPr lang="zh-CN" altLang="en-US" dirty="0"/>
+              <a:t>后合并起来。</a:t>
+            </a:r>
+            <a:endParaRPr lang="en-US" altLang="zh-CN" dirty="0"/>
           </a:p>
         </p:txBody>
       </p:sp>
@@ -5410,7 +5381,7 @@
           </p:cNvPicPr>
           <p:nvPr/>
         </p:nvPicPr>
-        <p:blipFill>
+        <p:blipFill rotWithShape="1">
           <a:blip r:embed="rId2">
             <a:extLst>
               <a:ext uri="{28A0092B-C50C-407E-A947-70E740481C1C}">
@@ -5418,14 +5389,13 @@
               </a:ext>
             </a:extLst>
           </a:blip>
-          <a:stretch>
-            <a:fillRect/>
-          </a:stretch>
+          <a:srcRect b="13470"/>
+          <a:stretch/>
         </p:blipFill>
         <p:spPr>
           <a:xfrm>
-            <a:off x="337320" y="3681533"/>
-            <a:ext cx="8429501" cy="2505435"/>
+            <a:off x="279570" y="4109883"/>
+            <a:ext cx="8429501" cy="2167950"/>
           </a:xfrm>
           <a:prstGeom prst="rect">
             <a:avLst/>
@@ -5479,6 +5449,36 @@
           </a:p>
         </p:txBody>
       </p:sp>
+      <p:pic>
+        <p:nvPicPr>
+          <p:cNvPr id="5" name="图片 4">
+            <a:extLst>
+              <a:ext uri="{FF2B5EF4-FFF2-40B4-BE49-F238E27FC236}">
+                <a16:creationId xmlns:a16="http://schemas.microsoft.com/office/drawing/2014/main" id="{35C84122-F8FE-4BD6-9CC3-22D0D243207B}"/>
+              </a:ext>
+            </a:extLst>
+          </p:cNvPr>
+          <p:cNvPicPr>
+            <a:picLocks noChangeAspect="1"/>
+          </p:cNvPicPr>
+          <p:nvPr/>
+        </p:nvPicPr>
+        <p:blipFill>
+          <a:blip r:embed="rId3"/>
+          <a:stretch>
+            <a:fillRect/>
+          </a:stretch>
+        </p:blipFill>
+        <p:spPr>
+          <a:xfrm>
+            <a:off x="1325397" y="3017520"/>
+            <a:ext cx="6407479" cy="1149409"/>
+          </a:xfrm>
+          <a:prstGeom prst="rect">
+            <a:avLst/>
+          </a:prstGeom>
+        </p:spPr>
+      </p:pic>
     </p:spTree>
     <p:extLst>
       <p:ext uri="{BB962C8B-B14F-4D97-AF65-F5344CB8AC3E}">
@@ -5511,28 +5511,6 @@
       </p:grpSpPr>
       <p:sp>
         <p:nvSpPr>
-          <p:cNvPr id="2" name="标题 1"/>
-          <p:cNvSpPr>
-            <a:spLocks noGrp="1"/>
-          </p:cNvSpPr>
-          <p:nvPr>
-            <p:ph type="title"/>
-          </p:nvPr>
-        </p:nvSpPr>
-        <p:spPr/>
-        <p:txBody>
-          <a:bodyPr/>
-          <a:lstStyle/>
-          <a:p>
-            <a:r>
-              <a:rPr lang="en-US" altLang="zh-CN" dirty="0"/>
-              <a:t>Scene Text Detection - Method</a:t>
-            </a:r>
-          </a:p>
-        </p:txBody>
-      </p:sp>
-      <p:sp>
-        <p:nvSpPr>
           <p:cNvPr id="3" name="内容占位符 2"/>
           <p:cNvSpPr>
             <a:spLocks noGrp="1"/>
@@ -5544,7 +5522,7 @@
         <p:spPr>
           <a:xfrm>
             <a:off x="168494" y="1008517"/>
-            <a:ext cx="8651655" cy="2841588"/>
+            <a:ext cx="8651655" cy="2420483"/>
           </a:xfrm>
         </p:spPr>
         <p:txBody>
@@ -5552,44 +5530,16 @@
           <a:lstStyle/>
           <a:p>
             <a:r>
+              <a:rPr lang="en-US" altLang="zh-CN" b="1" dirty="0" err="1"/>
+              <a:t>SegLink</a:t>
+            </a:r>
+            <a:r>
               <a:rPr lang="en-US" altLang="zh-CN" b="1" dirty="0"/>
-              <a:t>C</a:t>
+              <a:t> – </a:t>
             </a:r>
             <a:r>
               <a:rPr lang="en-US" altLang="zh-CN" dirty="0"/>
-              <a:t>onnectionist </a:t>
-            </a:r>
-            <a:r>
-              <a:rPr lang="en-US" altLang="zh-CN" b="1" dirty="0"/>
-              <a:t>T</a:t>
-            </a:r>
-            <a:r>
-              <a:rPr lang="en-US" altLang="zh-CN" dirty="0"/>
-              <a:t>ext </a:t>
-            </a:r>
-            <a:r>
-              <a:rPr lang="en-US" altLang="zh-CN" b="1" dirty="0"/>
-              <a:t>P</a:t>
-            </a:r>
-            <a:r>
-              <a:rPr lang="en-US" altLang="zh-CN" dirty="0"/>
-              <a:t>roposal </a:t>
-            </a:r>
-            <a:r>
-              <a:rPr lang="en-US" altLang="zh-CN" b="1" dirty="0"/>
-              <a:t>N</a:t>
-            </a:r>
-            <a:r>
-              <a:rPr lang="en-US" altLang="zh-CN" dirty="0"/>
-              <a:t>etwork</a:t>
-            </a:r>
-            <a:r>
-              <a:rPr lang="en-US" altLang="zh-CN" b="1" dirty="0"/>
-              <a:t> - </a:t>
-            </a:r>
-            <a:r>
-              <a:rPr lang="en-US" altLang="zh-CN" dirty="0"/>
-              <a:t>ECCV2016</a:t>
+              <a:t>CVPR2017</a:t>
             </a:r>
           </a:p>
           <a:p>
@@ -5599,25 +5549,30 @@
               </a:lnSpc>
             </a:pPr>
             <a:r>
+              <a:rPr lang="en-US" altLang="zh-CN" dirty="0" err="1"/>
+              <a:t>SegLink</a:t>
+            </a:r>
+            <a:r>
               <a:rPr lang="zh-CN" altLang="en-US" dirty="0"/>
-              <a:t>继承目标检测的经典方法 </a:t>
+              <a:t> 结合 </a:t>
             </a:r>
             <a:r>
               <a:rPr lang="en-US" altLang="zh-CN" dirty="0"/>
-              <a:t>Faster R-CNN</a:t>
+              <a:t>CTPN </a:t>
             </a:r>
             <a:r>
               <a:rPr lang="zh-CN" altLang="en-US" dirty="0"/>
-              <a:t>，采用 </a:t>
+              <a:t>和 </a:t>
             </a:r>
             <a:r>
               <a:rPr lang="en-US" altLang="zh-CN" dirty="0"/>
-              <a:t>anchor </a:t>
+              <a:t>SSD </a:t>
             </a:r>
             <a:r>
               <a:rPr lang="zh-CN" altLang="en-US" dirty="0"/>
-              <a:t>极值预测字框。</a:t>
-            </a:r>
+              <a:t>的优点，可以检测任意角度文本。</a:t>
+            </a:r>
+            <a:endParaRPr lang="en-US" altLang="zh-CN" dirty="0"/>
           </a:p>
           <a:p>
             <a:pPr lvl="1">
@@ -5627,23 +5582,7 @@
             </a:pPr>
             <a:r>
               <a:rPr lang="zh-CN" altLang="en-US" dirty="0"/>
-              <a:t>基于</a:t>
-            </a:r>
-            <a:r>
-              <a:rPr lang="en-US" altLang="zh-CN" dirty="0"/>
-              <a:t>VGG16</a:t>
-            </a:r>
-            <a:r>
-              <a:rPr lang="zh-CN" altLang="en-US" dirty="0"/>
-              <a:t>提取图像特征得到 </a:t>
-            </a:r>
-            <a:r>
-              <a:rPr lang="en-US" altLang="zh-CN" dirty="0"/>
-              <a:t>feature map</a:t>
-            </a:r>
-            <a:r>
-              <a:rPr lang="zh-CN" altLang="en-US" dirty="0"/>
-              <a:t>。</a:t>
+              <a:t>在回归矩形框四个参数的同时，加入了一个旋转角预测。</a:t>
             </a:r>
             <a:endParaRPr lang="en-US" altLang="zh-CN" dirty="0"/>
           </a:p>
@@ -5655,27 +5594,15 @@
             </a:pPr>
             <a:r>
               <a:rPr lang="zh-CN" altLang="en-US" dirty="0"/>
-              <a:t>将特征逐行接入双向 </a:t>
+              <a:t>多尺度检测文本，每个尺度都导出结果并用 </a:t>
             </a:r>
             <a:r>
               <a:rPr lang="en-US" altLang="zh-CN" dirty="0"/>
-              <a:t>LSTM </a:t>
+              <a:t>Link </a:t>
             </a:r>
             <a:r>
               <a:rPr lang="zh-CN" altLang="en-US" dirty="0"/>
-              <a:t>训练，回归矩形框参数和文字置信度。</a:t>
-            </a:r>
-            <a:endParaRPr lang="en-US" altLang="zh-CN" dirty="0"/>
-          </a:p>
-          <a:p>
-            <a:pPr lvl="1">
-              <a:lnSpc>
-                <a:spcPct val="100000"/>
-              </a:lnSpc>
-            </a:pPr>
-            <a:r>
-              <a:rPr lang="zh-CN" altLang="en-US" dirty="0"/>
-              <a:t>评价</a:t>
+              <a:t>连接。</a:t>
             </a:r>
             <a:endParaRPr lang="en-US" altLang="zh-CN" dirty="0"/>
           </a:p>
@@ -5686,32 +5613,36 @@
               </a:lnSpc>
             </a:pPr>
             <a:r>
+              <a:rPr lang="en-US" altLang="zh-CN" dirty="0"/>
+              <a:t>Within-layer Link</a:t>
+            </a:r>
+            <a:r>
               <a:rPr lang="zh-CN" altLang="en-US" dirty="0"/>
-              <a:t>文本检测的先驱之作。</a:t>
+              <a:t>：和同层 </a:t>
+            </a:r>
+            <a:r>
+              <a:rPr lang="en-US" altLang="zh-CN" dirty="0"/>
+              <a:t>8 </a:t>
+            </a:r>
+            <a:r>
+              <a:rPr lang="zh-CN" altLang="en-US" dirty="0"/>
+              <a:t>个方向相连，用来合并字框。</a:t>
             </a:r>
             <a:endParaRPr lang="en-US" altLang="zh-CN" dirty="0"/>
           </a:p>
           <a:p>
             <a:pPr lvl="2">
               <a:lnSpc>
-                <a:spcPct val="100000"/>
+                <a:spcPts val="1800"/>
               </a:lnSpc>
             </a:pPr>
             <a:r>
-              <a:rPr lang="zh-CN" altLang="en-US" u="sng" dirty="0">
-                <a:effectLst>
-                  <a:outerShdw blurRad="38100" dist="38100" dir="2700000" algn="tl">
-                    <a:srgbClr val="000000">
-                      <a:alpha val="43137"/>
-                    </a:srgbClr>
-                  </a:outerShdw>
-                </a:effectLst>
-              </a:rPr>
-              <a:t>只考虑了横排的文字</a:t>
+              <a:rPr lang="en-US" altLang="zh-CN" dirty="0"/>
+              <a:t>Cross-layer Link</a:t>
             </a:r>
             <a:r>
               <a:rPr lang="zh-CN" altLang="en-US" dirty="0"/>
-              <a:t>，对单个字符做目标检测后把框都合并起来。</a:t>
+              <a:t>：和前一层对于区域相连，用来减少冗余。</a:t>
             </a:r>
           </a:p>
         </p:txBody>
@@ -5740,12 +5671,63 @@
           </a:p>
         </p:txBody>
       </p:sp>
+      <p:sp>
+        <p:nvSpPr>
+          <p:cNvPr id="10" name="矩形 9">
+            <a:extLst>
+              <a:ext uri="{FF2B5EF4-FFF2-40B4-BE49-F238E27FC236}">
+                <a16:creationId xmlns:a16="http://schemas.microsoft.com/office/drawing/2014/main" id="{1A50CE0B-A036-4E95-BCD8-748DBF0DE811}"/>
+              </a:ext>
+            </a:extLst>
+          </p:cNvPr>
+          <p:cNvSpPr/>
+          <p:nvPr/>
+        </p:nvSpPr>
+        <p:spPr>
+          <a:xfrm>
+            <a:off x="427355" y="6220787"/>
+            <a:ext cx="8467725" cy="369332"/>
+          </a:xfrm>
+          <a:prstGeom prst="rect">
+            <a:avLst/>
+          </a:prstGeom>
+        </p:spPr>
+        <p:txBody>
+          <a:bodyPr wrap="square">
+            <a:spAutoFit/>
+          </a:bodyPr>
+          <a:lstStyle/>
+          <a:p>
+            <a:r>
+              <a:rPr lang="en-US" altLang="zh-CN" dirty="0" err="1"/>
+              <a:t>Baoguang</a:t>
+            </a:r>
+            <a:r>
+              <a:rPr lang="en-US" altLang="zh-CN" dirty="0"/>
+              <a:t> Shi,</a:t>
+            </a:r>
+            <a:r>
+              <a:rPr lang="zh-CN" altLang="en-US" dirty="0"/>
+              <a:t> </a:t>
+            </a:r>
+            <a:r>
+              <a:rPr lang="en-US" altLang="zh-CN" dirty="0" err="1"/>
+              <a:t>etc</a:t>
+            </a:r>
+            <a:r>
+              <a:rPr lang="en-US" altLang="zh-CN" dirty="0"/>
+              <a:t>, Detecting Oriented Text in Natural Images by Linking Segments.</a:t>
+            </a:r>
+            <a:endParaRPr lang="zh-CN" altLang="en-US" dirty="0"/>
+          </a:p>
+        </p:txBody>
+      </p:sp>
       <p:pic>
         <p:nvPicPr>
-          <p:cNvPr id="6" name="图片 5">
+          <p:cNvPr id="7" name="图片 6">
             <a:extLst>
               <a:ext uri="{FF2B5EF4-FFF2-40B4-BE49-F238E27FC236}">
-                <a16:creationId xmlns:a16="http://schemas.microsoft.com/office/drawing/2014/main" id="{1B5AE250-5A3B-4C13-816A-20C66CDF4A7D}"/>
+                <a16:creationId xmlns:a16="http://schemas.microsoft.com/office/drawing/2014/main" id="{7EC7A20C-8A0A-482E-A8B5-A4A6A1D4BE8F}"/>
               </a:ext>
             </a:extLst>
           </p:cNvPr>
@@ -5768,8 +5750,8 @@
         </p:blipFill>
         <p:spPr>
           <a:xfrm>
-            <a:off x="337320" y="3681533"/>
-            <a:ext cx="8429501" cy="2505435"/>
+            <a:off x="1155285" y="3398459"/>
+            <a:ext cx="6505356" cy="2724211"/>
           </a:xfrm>
           <a:prstGeom prst="rect">
             <a:avLst/>
@@ -5778,52 +5760,34 @@
       </p:pic>
       <p:sp>
         <p:nvSpPr>
-          <p:cNvPr id="10" name="矩形 9">
+          <p:cNvPr id="11" name="标题 1">
             <a:extLst>
               <a:ext uri="{FF2B5EF4-FFF2-40B4-BE49-F238E27FC236}">
-                <a16:creationId xmlns:a16="http://schemas.microsoft.com/office/drawing/2014/main" id="{1A50CE0B-A036-4E95-BCD8-748DBF0DE811}"/>
+                <a16:creationId xmlns:a16="http://schemas.microsoft.com/office/drawing/2014/main" id="{46FB31F0-5396-4BCF-9ABE-941B2D6154BB}"/>
               </a:ext>
             </a:extLst>
           </p:cNvPr>
-          <p:cNvSpPr/>
-          <p:nvPr/>
+          <p:cNvSpPr>
+            <a:spLocks noGrp="1"/>
+          </p:cNvSpPr>
+          <p:nvPr>
+            <p:ph type="title"/>
+          </p:nvPr>
         </p:nvSpPr>
         <p:spPr>
           <a:xfrm>
-            <a:off x="295275" y="6220787"/>
-            <a:ext cx="8467725" cy="369332"/>
+            <a:off x="0" y="173038"/>
+            <a:ext cx="9144000" cy="654050"/>
           </a:xfrm>
-          <a:prstGeom prst="rect">
-            <a:avLst/>
-          </a:prstGeom>
         </p:spPr>
         <p:txBody>
-          <a:bodyPr wrap="square">
-            <a:spAutoFit/>
-          </a:bodyPr>
+          <a:bodyPr/>
           <a:lstStyle/>
           <a:p>
             <a:r>
-              <a:rPr lang="en-US" altLang="zh-CN" dirty="0" err="1"/>
-              <a:t>Baoguang</a:t>
-            </a:r>
-            <a:r>
               <a:rPr lang="en-US" altLang="zh-CN" dirty="0"/>
-              <a:t> Shi,</a:t>
-            </a:r>
-            <a:r>
-              <a:rPr lang="zh-CN" altLang="en-US" dirty="0"/>
-              <a:t> </a:t>
-            </a:r>
-            <a:r>
-              <a:rPr lang="en-US" altLang="zh-CN" dirty="0" err="1"/>
-              <a:t>etc</a:t>
-            </a:r>
-            <a:r>
-              <a:rPr lang="en-US" altLang="zh-CN" dirty="0"/>
-              <a:t>, Detecting Oriented Text in Natural Images by Linking Segments.</a:t>
-            </a:r>
-            <a:endParaRPr lang="zh-CN" altLang="en-US" dirty="0"/>
+              <a:t>Scene Text Detection – Proposal Based</a:t>
+            </a:r>
           </a:p>
         </p:txBody>
       </p:sp>
@@ -5859,22 +5823,170 @@
       </p:grpSpPr>
       <p:sp>
         <p:nvSpPr>
-          <p:cNvPr id="2" name="标题 1"/>
+          <p:cNvPr id="3" name="内容占位符 2"/>
           <p:cNvSpPr>
             <a:spLocks noGrp="1"/>
           </p:cNvSpPr>
           <p:nvPr>
-            <p:ph type="title"/>
+            <p:ph idx="1"/>
           </p:nvPr>
         </p:nvSpPr>
-        <p:spPr/>
+        <p:spPr>
+          <a:xfrm>
+            <a:off x="168494" y="1008517"/>
+            <a:ext cx="8651655" cy="2678901"/>
+          </a:xfrm>
+        </p:spPr>
         <p:txBody>
           <a:bodyPr/>
           <a:lstStyle/>
           <a:p>
             <a:r>
+              <a:rPr lang="en-US" altLang="zh-CN" b="1" dirty="0"/>
+              <a:t>Mask </a:t>
+            </a:r>
+            <a:r>
+              <a:rPr lang="en-US" altLang="zh-CN" b="1" dirty="0" err="1"/>
+              <a:t>TextSpotter</a:t>
+            </a:r>
+            <a:r>
+              <a:rPr lang="en-US" altLang="zh-CN" b="1" dirty="0"/>
+              <a:t> – </a:t>
+            </a:r>
+            <a:r>
               <a:rPr lang="en-US" altLang="zh-CN" dirty="0"/>
-              <a:t>Scene Text Detection - Result</a:t>
+              <a:t>ECCV2018</a:t>
+            </a:r>
+          </a:p>
+          <a:p>
+            <a:pPr lvl="1">
+              <a:lnSpc>
+                <a:spcPct val="100000"/>
+              </a:lnSpc>
+            </a:pPr>
+            <a:r>
+              <a:rPr lang="en-US" altLang="zh-CN" dirty="0"/>
+              <a:t>Mask </a:t>
+            </a:r>
+            <a:r>
+              <a:rPr lang="en-US" altLang="zh-CN" dirty="0" err="1"/>
+              <a:t>TextSpotter</a:t>
+            </a:r>
+            <a:r>
+              <a:rPr lang="en-US" altLang="zh-CN" dirty="0"/>
+              <a:t> </a:t>
+            </a:r>
+            <a:r>
+              <a:rPr lang="zh-CN" altLang="en-US" dirty="0"/>
+              <a:t>继承自 </a:t>
+            </a:r>
+            <a:r>
+              <a:rPr lang="en-US" altLang="zh-CN" dirty="0"/>
+              <a:t>Mask RCNN</a:t>
+            </a:r>
+            <a:r>
+              <a:rPr lang="zh-CN" altLang="en-US" dirty="0"/>
+              <a:t>，可以检测任意角度英文文本。</a:t>
+            </a:r>
+            <a:endParaRPr lang="en-US" altLang="zh-CN" dirty="0"/>
+          </a:p>
+          <a:p>
+            <a:pPr lvl="1">
+              <a:lnSpc>
+                <a:spcPct val="100000"/>
+              </a:lnSpc>
+            </a:pPr>
+            <a:r>
+              <a:rPr lang="zh-CN" altLang="en-US" dirty="0"/>
+              <a:t>引入分割的思想，直接进行检测和识别的端到端训练。</a:t>
+            </a:r>
+            <a:endParaRPr lang="en-US" altLang="zh-CN" dirty="0"/>
+          </a:p>
+          <a:p>
+            <a:pPr lvl="2">
+              <a:lnSpc>
+                <a:spcPct val="100000"/>
+              </a:lnSpc>
+            </a:pPr>
+            <a:r>
+              <a:rPr lang="zh-CN" altLang="en-US" dirty="0"/>
+              <a:t>用 </a:t>
+            </a:r>
+            <a:r>
+              <a:rPr lang="en-US" altLang="zh-CN" dirty="0" err="1"/>
+              <a:t>ResNet+FPN</a:t>
+            </a:r>
+            <a:r>
+              <a:rPr lang="en-US" altLang="zh-CN" dirty="0"/>
+              <a:t> </a:t>
+            </a:r>
+            <a:r>
+              <a:rPr lang="zh-CN" altLang="en-US" dirty="0"/>
+              <a:t>提取特征，</a:t>
+            </a:r>
+            <a:r>
+              <a:rPr lang="en-US" altLang="zh-CN" dirty="0"/>
+              <a:t>ROI Align </a:t>
+            </a:r>
+            <a:r>
+              <a:rPr lang="zh-CN" altLang="en-US" dirty="0"/>
+              <a:t>技术产生文本候选框。</a:t>
+            </a:r>
+            <a:endParaRPr lang="en-US" altLang="zh-CN" dirty="0"/>
+          </a:p>
+          <a:p>
+            <a:pPr lvl="2">
+              <a:lnSpc>
+                <a:spcPct val="100000"/>
+              </a:lnSpc>
+            </a:pPr>
+            <a:r>
+              <a:rPr lang="zh-CN" altLang="en-US" dirty="0"/>
+              <a:t>在创新的 </a:t>
+            </a:r>
+            <a:r>
+              <a:rPr lang="en-US" altLang="zh-CN" dirty="0"/>
+              <a:t>Mask Branch </a:t>
+            </a:r>
+            <a:r>
+              <a:rPr lang="zh-CN" altLang="en-US" dirty="0"/>
+              <a:t>分支里，直接生成对于每一个字符（本文只做了英文，包括 </a:t>
+            </a:r>
+            <a:r>
+              <a:rPr lang="en-US" altLang="zh-CN" dirty="0"/>
+              <a:t>0-9 </a:t>
+            </a:r>
+            <a:r>
+              <a:rPr lang="zh-CN" altLang="en-US" dirty="0"/>
+              <a:t>和 </a:t>
+            </a:r>
+            <a:r>
+              <a:rPr lang="en-US" altLang="zh-CN" dirty="0" err="1"/>
+              <a:t>a~z</a:t>
+            </a:r>
+            <a:r>
+              <a:rPr lang="zh-CN" altLang="en-US" dirty="0"/>
+              <a:t>）的区域网格图用来表明其位置。十分暴力。</a:t>
+            </a:r>
+            <a:endParaRPr lang="en-US" altLang="zh-CN" dirty="0"/>
+          </a:p>
+          <a:p>
+            <a:pPr lvl="2">
+              <a:lnSpc>
+                <a:spcPct val="100000"/>
+              </a:lnSpc>
+            </a:pPr>
+            <a:r>
+              <a:rPr lang="zh-CN" altLang="en-US" dirty="0"/>
+              <a:t>在 </a:t>
+            </a:r>
+            <a:r>
+              <a:rPr lang="en-US" altLang="zh-CN" dirty="0"/>
+              <a:t>loss </a:t>
+            </a:r>
+            <a:r>
+              <a:rPr lang="zh-CN" altLang="en-US" dirty="0"/>
+              <a:t>函数里加上每个实际出现字符在各预测字符网格图里的交叉熵。</a:t>
             </a:r>
           </a:p>
         </p:txBody>
@@ -5898,6 +6010,186 @@
               <a:rPr lang="zh-CN" altLang="en-US" smtClean="0"/>
               <a:pPr/>
               <a:t>15</a:t>
+            </a:fld>
+            <a:endParaRPr lang="zh-CN" altLang="en-US"/>
+          </a:p>
+        </p:txBody>
+      </p:sp>
+      <p:sp>
+        <p:nvSpPr>
+          <p:cNvPr id="10" name="矩形 9">
+            <a:extLst>
+              <a:ext uri="{FF2B5EF4-FFF2-40B4-BE49-F238E27FC236}">
+                <a16:creationId xmlns:a16="http://schemas.microsoft.com/office/drawing/2014/main" id="{1A50CE0B-A036-4E95-BCD8-748DBF0DE811}"/>
+              </a:ext>
+            </a:extLst>
+          </p:cNvPr>
+          <p:cNvSpPr/>
+          <p:nvPr/>
+        </p:nvSpPr>
+        <p:spPr>
+          <a:xfrm>
+            <a:off x="670560" y="6220787"/>
+            <a:ext cx="9753599" cy="369332"/>
+          </a:xfrm>
+          <a:prstGeom prst="rect">
+            <a:avLst/>
+          </a:prstGeom>
+        </p:spPr>
+        <p:txBody>
+          <a:bodyPr wrap="square">
+            <a:spAutoFit/>
+          </a:bodyPr>
+          <a:lstStyle/>
+          <a:p>
+            <a:r>
+              <a:rPr lang="en-US" altLang="zh-CN" dirty="0"/>
+              <a:t>An End-to-End Trainable Neural Network for Spotting Text with Arbitrary Shapes.</a:t>
+            </a:r>
+            <a:endParaRPr lang="zh-CN" altLang="en-US" dirty="0"/>
+          </a:p>
+        </p:txBody>
+      </p:sp>
+      <p:sp>
+        <p:nvSpPr>
+          <p:cNvPr id="11" name="标题 1">
+            <a:extLst>
+              <a:ext uri="{FF2B5EF4-FFF2-40B4-BE49-F238E27FC236}">
+                <a16:creationId xmlns:a16="http://schemas.microsoft.com/office/drawing/2014/main" id="{46FB31F0-5396-4BCF-9ABE-941B2D6154BB}"/>
+              </a:ext>
+            </a:extLst>
+          </p:cNvPr>
+          <p:cNvSpPr>
+            <a:spLocks noGrp="1"/>
+          </p:cNvSpPr>
+          <p:nvPr>
+            <p:ph type="title"/>
+          </p:nvPr>
+        </p:nvSpPr>
+        <p:spPr>
+          <a:xfrm>
+            <a:off x="0" y="173038"/>
+            <a:ext cx="9144000" cy="654050"/>
+          </a:xfrm>
+        </p:spPr>
+        <p:txBody>
+          <a:bodyPr/>
+          <a:lstStyle/>
+          <a:p>
+            <a:r>
+              <a:rPr lang="en-US" altLang="zh-CN" dirty="0"/>
+              <a:t>Scene Text Detection – End to End</a:t>
+            </a:r>
+          </a:p>
+        </p:txBody>
+      </p:sp>
+      <p:pic>
+        <p:nvPicPr>
+          <p:cNvPr id="6" name="图片 5">
+            <a:extLst>
+              <a:ext uri="{FF2B5EF4-FFF2-40B4-BE49-F238E27FC236}">
+                <a16:creationId xmlns:a16="http://schemas.microsoft.com/office/drawing/2014/main" id="{D0D4F733-CF57-477A-AF59-A5D61009C334}"/>
+              </a:ext>
+            </a:extLst>
+          </p:cNvPr>
+          <p:cNvPicPr>
+            <a:picLocks noChangeAspect="1"/>
+          </p:cNvPicPr>
+          <p:nvPr/>
+        </p:nvPicPr>
+        <p:blipFill>
+          <a:blip r:embed="rId2">
+            <a:extLst>
+              <a:ext uri="{28A0092B-C50C-407E-A947-70E740481C1C}">
+                <a14:useLocalDpi xmlns:a14="http://schemas.microsoft.com/office/drawing/2010/main" val="0"/>
+              </a:ext>
+            </a:extLst>
+          </a:blip>
+          <a:stretch>
+            <a:fillRect/>
+          </a:stretch>
+        </p:blipFill>
+        <p:spPr>
+          <a:xfrm>
+            <a:off x="375920" y="3755055"/>
+            <a:ext cx="8392160" cy="2431913"/>
+          </a:xfrm>
+          <a:prstGeom prst="rect">
+            <a:avLst/>
+          </a:prstGeom>
+        </p:spPr>
+      </p:pic>
+    </p:spTree>
+    <p:extLst>
+      <p:ext uri="{BB962C8B-B14F-4D97-AF65-F5344CB8AC3E}">
+        <p14:creationId xmlns:p14="http://schemas.microsoft.com/office/powerpoint/2010/main" val="805934248"/>
+      </p:ext>
+    </p:extLst>
+  </p:cSld>
+  <p:clrMapOvr>
+    <a:masterClrMapping/>
+  </p:clrMapOvr>
+</p:sld>
+</file>
+
+<file path=ppt/slides/slide16.xml><?xml version="1.0" encoding="utf-8"?>
+<p:sld xmlns:a="http://schemas.openxmlformats.org/drawingml/2006/main" xmlns:r="http://schemas.openxmlformats.org/officeDocument/2006/relationships" xmlns:p="http://schemas.openxmlformats.org/presentationml/2006/main">
+  <p:cSld>
+    <p:spTree>
+      <p:nvGrpSpPr>
+        <p:cNvPr id="1" name=""/>
+        <p:cNvGrpSpPr/>
+        <p:nvPr/>
+      </p:nvGrpSpPr>
+      <p:grpSpPr>
+        <a:xfrm>
+          <a:off x="0" y="0"/>
+          <a:ext cx="0" cy="0"/>
+          <a:chOff x="0" y="0"/>
+          <a:chExt cx="0" cy="0"/>
+        </a:xfrm>
+      </p:grpSpPr>
+      <p:sp>
+        <p:nvSpPr>
+          <p:cNvPr id="2" name="标题 1"/>
+          <p:cNvSpPr>
+            <a:spLocks noGrp="1"/>
+          </p:cNvSpPr>
+          <p:nvPr>
+            <p:ph type="title"/>
+          </p:nvPr>
+        </p:nvSpPr>
+        <p:spPr/>
+        <p:txBody>
+          <a:bodyPr/>
+          <a:lstStyle/>
+          <a:p>
+            <a:r>
+              <a:rPr lang="en-US" altLang="zh-CN" dirty="0"/>
+              <a:t>Scene Text Detection - Result</a:t>
+            </a:r>
+          </a:p>
+        </p:txBody>
+      </p:sp>
+      <p:sp>
+        <p:nvSpPr>
+          <p:cNvPr id="4" name="灯片编号占位符 3"/>
+          <p:cNvSpPr>
+            <a:spLocks noGrp="1"/>
+          </p:cNvSpPr>
+          <p:nvPr>
+            <p:ph type="sldNum" sz="quarter" idx="12"/>
+          </p:nvPr>
+        </p:nvSpPr>
+        <p:spPr/>
+        <p:txBody>
+          <a:bodyPr/>
+          <a:lstStyle/>
+          <a:p>
+            <a:fld id="{A5AAEF0F-0BBD-4BC2-B079-FA6741C313A3}" type="slidenum">
+              <a:rPr lang="zh-CN" altLang="en-US" smtClean="0"/>
+              <a:pPr/>
+              <a:t>16</a:t>
             </a:fld>
             <a:endParaRPr lang="zh-CN" altLang="en-US"/>
           </a:p>
@@ -6027,7 +6319,7 @@
 </p:sld>
 </file>
 
-<file path=ppt/slides/slide16.xml><?xml version="1.0" encoding="utf-8"?>
+<file path=ppt/slides/slide17.xml><?xml version="1.0" encoding="utf-8"?>
 <p:sld xmlns:a="http://schemas.openxmlformats.org/drawingml/2006/main" xmlns:r="http://schemas.openxmlformats.org/officeDocument/2006/relationships" xmlns:p="http://schemas.openxmlformats.org/presentationml/2006/main">
   <p:cSld>
     <p:spTree>
@@ -6078,8 +6370,8 @@
         </p:nvSpPr>
         <p:spPr>
           <a:xfrm>
-            <a:off x="114701" y="1095344"/>
-            <a:ext cx="9029300" cy="3592693"/>
+            <a:off x="0" y="1075024"/>
+            <a:ext cx="9296400" cy="3592693"/>
           </a:xfrm>
         </p:spPr>
         <p:txBody>
@@ -6235,6 +6527,32 @@
               <a:rPr lang="en-US" altLang="zh-CN" sz="1500" dirty="0"/>
               <a:t>Detecting Oriented Text in Natural Images by Linking Segments, CVPR2017</a:t>
             </a:r>
+          </a:p>
+          <a:p>
+            <a:pPr>
+              <a:lnSpc>
+                <a:spcPct val="100000"/>
+              </a:lnSpc>
+            </a:pPr>
+            <a:r>
+              <a:rPr lang="en-US" altLang="zh-CN" sz="1500" dirty="0"/>
+              <a:t>Mask </a:t>
+            </a:r>
+            <a:r>
+              <a:rPr lang="en-US" altLang="zh-CN" sz="1500" dirty="0" err="1"/>
+              <a:t>TextSpotter</a:t>
+            </a:r>
+            <a:r>
+              <a:rPr lang="en-US" altLang="zh-CN" sz="1500" dirty="0"/>
+              <a:t>: An End-to-End Trainable Neural Network for Spotting Text with Arbitrary Shapes, ECCV2018</a:t>
+            </a:r>
+          </a:p>
+          <a:p>
+            <a:pPr>
+              <a:lnSpc>
+                <a:spcPct val="100000"/>
+              </a:lnSpc>
+            </a:pPr>
             <a:endParaRPr lang="zh-CN" altLang="en-US" sz="1500" dirty="0"/>
           </a:p>
         </p:txBody>
@@ -6257,7 +6575,7 @@
             <a:fld id="{A5AAEF0F-0BBD-4BC2-B079-FA6741C313A3}" type="slidenum">
               <a:rPr lang="zh-CN" altLang="en-US" smtClean="0"/>
               <a:pPr/>
-              <a:t>16</a:t>
+              <a:t>17</a:t>
             </a:fld>
             <a:endParaRPr lang="zh-CN" altLang="en-US"/>
           </a:p>
